--- a/trunk/ tsp01-contratos-clientes/ITERACION01_TP01/S02/PPT SI02-02 MAN.pptx
+++ b/trunk/ tsp01-contratos-clientes/ITERACION01_TP01/S02/PPT SI02-02 MAN.pptx
@@ -5,22 +5,23 @@
     <p:sldMasterId id="2147483660" r:id="rId1"/>
   </p:sldMasterIdLst>
   <p:notesMasterIdLst>
-    <p:notesMasterId r:id="rId15"/>
+    <p:notesMasterId r:id="rId16"/>
   </p:notesMasterIdLst>
   <p:sldIdLst>
     <p:sldId id="256" r:id="rId2"/>
     <p:sldId id="284" r:id="rId3"/>
     <p:sldId id="275" r:id="rId4"/>
-    <p:sldId id="258" r:id="rId5"/>
-    <p:sldId id="278" r:id="rId6"/>
-    <p:sldId id="279" r:id="rId7"/>
-    <p:sldId id="263" r:id="rId8"/>
-    <p:sldId id="280" r:id="rId9"/>
-    <p:sldId id="281" r:id="rId10"/>
-    <p:sldId id="282" r:id="rId11"/>
-    <p:sldId id="277" r:id="rId12"/>
-    <p:sldId id="283" r:id="rId13"/>
-    <p:sldId id="260" r:id="rId14"/>
+    <p:sldId id="285" r:id="rId5"/>
+    <p:sldId id="258" r:id="rId6"/>
+    <p:sldId id="278" r:id="rId7"/>
+    <p:sldId id="279" r:id="rId8"/>
+    <p:sldId id="263" r:id="rId9"/>
+    <p:sldId id="280" r:id="rId10"/>
+    <p:sldId id="281" r:id="rId11"/>
+    <p:sldId id="282" r:id="rId12"/>
+    <p:sldId id="277" r:id="rId13"/>
+    <p:sldId id="283" r:id="rId14"/>
+    <p:sldId id="260" r:id="rId15"/>
   </p:sldIdLst>
   <p:sldSz cx="9144000" cy="6858000" type="screen4x3"/>
   <p:notesSz cx="6858000" cy="9144000"/>
@@ -254,7 +255,7 @@
             <a:pPr>
               <a:defRPr/>
             </a:pPr>
-            <a:fld id="{9B771FB9-AA3F-48A6-967C-3D63310EDF38}" type="datetimeFigureOut">
+            <a:fld id="{33468175-242E-4AB7-AEBB-C2FAD4DD6B82}" type="datetimeFigureOut">
               <a:rPr lang="es-PE"/>
               <a:pPr>
                 <a:defRPr/>
@@ -441,7 +442,7 @@
             <a:pPr>
               <a:defRPr/>
             </a:pPr>
-            <a:fld id="{7CEB4649-D06C-4690-A2A0-D94E7ED88803}" type="slidenum">
+            <a:fld id="{0C810043-C2D5-4467-9B43-B3BA3F7CC1B7}" type="slidenum">
               <a:rPr lang="es-PE"/>
               <a:pPr>
                 <a:defRPr/>
@@ -599,7 +600,7 @@
       </p:grpSpPr>
       <p:sp>
         <p:nvSpPr>
-          <p:cNvPr id="18433" name="1 Marcador de imagen de diapositiva"/>
+          <p:cNvPr id="19457" name="1 Marcador de imagen de diapositiva"/>
           <p:cNvSpPr>
             <a:spLocks noGrp="1" noRot="1" noChangeAspect="1"/>
           </p:cNvSpPr>
@@ -621,7 +622,7 @@
       </p:sp>
       <p:sp>
         <p:nvSpPr>
-          <p:cNvPr id="18434" name="2 Marcador de notas"/>
+          <p:cNvPr id="19458" name="2 Marcador de notas"/>
           <p:cNvSpPr>
             <a:spLocks noGrp="1"/>
           </p:cNvSpPr>
@@ -683,7 +684,7 @@
               </a:spcAft>
               <a:defRPr/>
             </a:pPr>
-            <a:fld id="{A17D5310-1FC3-4464-827E-0CE19F4349E1}" type="slidenum">
+            <a:fld id="{D237D5D3-8609-4765-9B92-9432C422569F}" type="slidenum">
               <a:rPr lang="es-PE"/>
               <a:pPr fontAlgn="base">
                 <a:spcBef>
@@ -694,7 +695,7 @@
                 </a:spcAft>
                 <a:defRPr/>
               </a:pPr>
-              <a:t>4</a:t>
+              <a:t>5</a:t>
             </a:fld>
             <a:endParaRPr lang="es-PE"/>
           </a:p>
@@ -727,7 +728,7 @@
       </p:grpSpPr>
       <p:sp>
         <p:nvSpPr>
-          <p:cNvPr id="20481" name="1 Marcador de imagen de diapositiva"/>
+          <p:cNvPr id="21505" name="1 Marcador de imagen de diapositiva"/>
           <p:cNvSpPr>
             <a:spLocks noGrp="1" noRot="1" noChangeAspect="1"/>
           </p:cNvSpPr>
@@ -749,7 +750,7 @@
       </p:sp>
       <p:sp>
         <p:nvSpPr>
-          <p:cNvPr id="20482" name="2 Marcador de notas"/>
+          <p:cNvPr id="21506" name="2 Marcador de notas"/>
           <p:cNvSpPr>
             <a:spLocks noGrp="1"/>
           </p:cNvSpPr>
@@ -811,7 +812,7 @@
               </a:spcAft>
               <a:defRPr/>
             </a:pPr>
-            <a:fld id="{BD387B36-D97B-4609-8404-80D22AF8E543}" type="slidenum">
+            <a:fld id="{5C2D5E19-85FB-42DD-A811-5D3B973FD741}" type="slidenum">
               <a:rPr lang="es-PE"/>
               <a:pPr fontAlgn="base">
                 <a:spcBef>
@@ -822,7 +823,7 @@
                 </a:spcAft>
                 <a:defRPr/>
               </a:pPr>
-              <a:t>5</a:t>
+              <a:t>6</a:t>
             </a:fld>
             <a:endParaRPr lang="es-PE"/>
           </a:p>
@@ -2696,7 +2697,7 @@
             <a:pPr>
               <a:defRPr/>
             </a:pPr>
-            <a:fld id="{7699DF25-75E8-43DC-ADF4-284C160019A6}" type="datetimeFigureOut">
+            <a:fld id="{22510D5D-DBB8-4D9D-8C90-F1FF1109ACE1}" type="datetimeFigureOut">
               <a:rPr lang="es-PE"/>
               <a:pPr>
                 <a:defRPr/>
@@ -2755,7 +2756,7 @@
             <a:pPr>
               <a:defRPr/>
             </a:pPr>
-            <a:fld id="{CF410C30-8876-4444-BC01-720ED8DD7CB4}" type="slidenum">
+            <a:fld id="{10FEC400-F6C7-4B91-8A56-A25FA522144B}" type="slidenum">
               <a:rPr lang="es-PE"/>
               <a:pPr>
                 <a:defRPr/>
@@ -2904,7 +2905,7 @@
             <a:pPr>
               <a:defRPr/>
             </a:pPr>
-            <a:fld id="{063ACBAD-6DD7-4278-9C95-389BB546BA24}" type="datetimeFigureOut">
+            <a:fld id="{903DCD71-8C91-4A06-BD5A-096A017EBDF2}" type="datetimeFigureOut">
               <a:rPr lang="es-PE"/>
               <a:pPr>
                 <a:defRPr/>
@@ -2963,7 +2964,7 @@
             <a:pPr>
               <a:defRPr/>
             </a:pPr>
-            <a:fld id="{8B4E1771-7D13-4CBD-BF00-72F0D596ADF4}" type="slidenum">
+            <a:fld id="{F6C1AAD4-EF9E-4F44-B74F-93E80A1DBFCE}" type="slidenum">
               <a:rPr lang="es-PE"/>
               <a:pPr>
                 <a:defRPr/>
@@ -4809,7 +4810,7 @@
             <a:pPr>
               <a:defRPr/>
             </a:pPr>
-            <a:fld id="{CE4A5E9F-8B64-4072-9302-165A277E4810}" type="datetimeFigureOut">
+            <a:fld id="{AC82DC60-3CA2-4046-99A4-F6563F682ED3}" type="datetimeFigureOut">
               <a:rPr lang="es-PE"/>
               <a:pPr>
                 <a:defRPr/>
@@ -4868,7 +4869,7 @@
             <a:pPr>
               <a:defRPr/>
             </a:pPr>
-            <a:fld id="{77BC6B6C-150E-4CE2-A8BA-E8749E25CCD8}" type="slidenum">
+            <a:fld id="{E8FE4BAF-E3C9-420F-86AF-A3B5656C484C}" type="slidenum">
               <a:rPr lang="es-PE"/>
               <a:pPr>
                 <a:defRPr/>
@@ -4926,7 +4927,7 @@
             <a:pPr>
               <a:defRPr/>
             </a:pPr>
-            <a:fld id="{5A579C81-C74C-45D3-B264-D5531F0BFBD9}" type="datetimeFigureOut">
+            <a:fld id="{C2E70B94-C079-4AD5-8784-7FCD405A26EE}" type="datetimeFigureOut">
               <a:rPr lang="es-PE"/>
               <a:pPr>
                 <a:defRPr/>
@@ -4985,7 +4986,7 @@
             <a:pPr>
               <a:defRPr/>
             </a:pPr>
-            <a:fld id="{DF09FA1D-B89A-44A4-A1DA-33294B28E3D2}" type="slidenum">
+            <a:fld id="{8ADC337F-E110-471D-A177-3BF12D86FF0C}" type="slidenum">
               <a:rPr lang="es-PE"/>
               <a:pPr>
                 <a:defRPr/>
@@ -5118,7 +5119,7 @@
             <a:pPr>
               <a:defRPr/>
             </a:pPr>
-            <a:fld id="{AB39281C-848E-4623-991B-F4EFD109F078}" type="datetimeFigureOut">
+            <a:fld id="{91F111E5-1EFE-4458-B695-CEC4DCDD91EB}" type="datetimeFigureOut">
               <a:rPr lang="es-PE"/>
               <a:pPr>
                 <a:defRPr/>
@@ -5177,7 +5178,7 @@
             <a:pPr>
               <a:defRPr/>
             </a:pPr>
-            <a:fld id="{51C761C5-CA06-4855-A27A-098FBB5865AF}" type="slidenum">
+            <a:fld id="{9956A68E-BCCF-476E-B7D6-988F7A06D017}" type="slidenum">
               <a:rPr lang="es-PE"/>
               <a:pPr>
                 <a:defRPr/>
@@ -7035,7 +7036,7 @@
             <a:pPr>
               <a:defRPr/>
             </a:pPr>
-            <a:fld id="{33D170D9-B848-496A-8EDB-FE61409C21C5}" type="datetimeFigureOut">
+            <a:fld id="{D6485009-5E35-4149-B8B4-67B6D243C6B1}" type="datetimeFigureOut">
               <a:rPr lang="es-PE"/>
               <a:pPr>
                 <a:defRPr/>
@@ -7094,7 +7095,7 @@
             <a:pPr>
               <a:defRPr/>
             </a:pPr>
-            <a:fld id="{882657C6-B5B2-413A-92E9-C0D4F0F23B9A}" type="slidenum">
+            <a:fld id="{263C5C81-E11D-48CA-8D7C-DE5691EFE63C}" type="slidenum">
               <a:rPr lang="es-PE"/>
               <a:pPr>
                 <a:defRPr/>
@@ -7289,7 +7290,7 @@
             <a:pPr>
               <a:defRPr/>
             </a:pPr>
-            <a:fld id="{F22E43D9-7DD5-4346-8A59-2E484866F11B}" type="datetimeFigureOut">
+            <a:fld id="{B93BBF8A-7741-467B-AB3A-DFCA93FAA1D1}" type="datetimeFigureOut">
               <a:rPr lang="es-PE"/>
               <a:pPr>
                 <a:defRPr/>
@@ -7348,7 +7349,7 @@
             <a:pPr>
               <a:defRPr/>
             </a:pPr>
-            <a:fld id="{1CB78261-28D2-4191-99D5-D04232440EB8}" type="slidenum">
+            <a:fld id="{3FB36B79-66B7-4982-9EA3-9E52386E5343}" type="slidenum">
               <a:rPr lang="es-PE"/>
               <a:pPr>
                 <a:defRPr/>
@@ -7743,7 +7744,7 @@
             <a:pPr>
               <a:defRPr/>
             </a:pPr>
-            <a:fld id="{7E28382C-A19A-4C9D-914C-97AF06EBF26D}" type="datetimeFigureOut">
+            <a:fld id="{EEE78818-6EDA-4728-8D6D-1DDD739AECE0}" type="datetimeFigureOut">
               <a:rPr lang="es-PE"/>
               <a:pPr>
                 <a:defRPr/>
@@ -7802,7 +7803,7 @@
             <a:pPr>
               <a:defRPr/>
             </a:pPr>
-            <a:fld id="{675D1B0B-53A1-4095-842F-A7318CE35ED7}" type="slidenum">
+            <a:fld id="{EA4FC3DA-CF67-4599-B94E-D40D9C4BD11F}" type="slidenum">
               <a:rPr lang="es-PE"/>
               <a:pPr>
                 <a:defRPr/>
@@ -7883,7 +7884,7 @@
             <a:pPr>
               <a:defRPr/>
             </a:pPr>
-            <a:fld id="{84EB68A9-FFA4-4FFA-8C9C-6A66557DFE0F}" type="datetimeFigureOut">
+            <a:fld id="{3E266320-64C6-452E-A0FD-04F00215ABE6}" type="datetimeFigureOut">
               <a:rPr lang="es-PE"/>
               <a:pPr>
                 <a:defRPr/>
@@ -7942,7 +7943,7 @@
             <a:pPr>
               <a:defRPr/>
             </a:pPr>
-            <a:fld id="{7DE9D92C-76E0-479F-9CAC-1C0C090D3516}" type="slidenum">
+            <a:fld id="{78AE6FD8-836D-494F-9BDF-091FAB6A3E7D}" type="slidenum">
               <a:rPr lang="es-PE"/>
               <a:pPr>
                 <a:defRPr/>
@@ -9664,7 +9665,7 @@
             <a:pPr>
               <a:defRPr/>
             </a:pPr>
-            <a:fld id="{54344C26-B54A-44A2-A06A-AAD489865945}" type="datetimeFigureOut">
+            <a:fld id="{48998711-57F6-41DC-9427-F0CA0824454E}" type="datetimeFigureOut">
               <a:rPr lang="es-PE"/>
               <a:pPr>
                 <a:defRPr/>
@@ -9723,7 +9724,7 @@
             <a:pPr>
               <a:defRPr/>
             </a:pPr>
-            <a:fld id="{7DE33583-54D8-4599-9709-7A2EF44C5863}" type="slidenum">
+            <a:fld id="{FF4DA730-9903-4550-A165-8A4E48A34287}" type="slidenum">
               <a:rPr lang="es-PE"/>
               <a:pPr>
                 <a:defRPr/>
@@ -11680,7 +11681,7 @@
             <a:pPr>
               <a:defRPr/>
             </a:pPr>
-            <a:fld id="{745FB078-AAF4-469B-B768-242DCDFC1AAF}" type="datetimeFigureOut">
+            <a:fld id="{5736A086-AAA1-424A-A851-57188464957B}" type="datetimeFigureOut">
               <a:rPr lang="es-PE"/>
               <a:pPr>
                 <a:defRPr/>
@@ -11739,7 +11740,7 @@
             <a:pPr>
               <a:defRPr/>
             </a:pPr>
-            <a:fld id="{173BF043-D7C9-4A99-A76E-0F5611EB5635}" type="slidenum">
+            <a:fld id="{94D7D139-6A4F-463D-A450-4C528F9A4C37}" type="slidenum">
               <a:rPr lang="es-PE"/>
               <a:pPr>
                 <a:defRPr/>
@@ -13667,7 +13668,7 @@
             <a:pPr>
               <a:defRPr/>
             </a:pPr>
-            <a:fld id="{07346CF6-81A5-4418-890A-8B0EB2A88D30}" type="datetimeFigureOut">
+            <a:fld id="{7502CC05-D034-4D0E-8B19-FF8D0E21F690}" type="datetimeFigureOut">
               <a:rPr lang="es-PE"/>
               <a:pPr>
                 <a:defRPr/>
@@ -13726,7 +13727,7 @@
             <a:pPr>
               <a:defRPr/>
             </a:pPr>
-            <a:fld id="{829442E8-5611-4128-80D2-E27C46BCECC7}" type="slidenum">
+            <a:fld id="{F51FC065-7AF9-4429-826C-A7D03810BDAD}" type="slidenum">
               <a:rPr lang="es-PE"/>
               <a:pPr>
                 <a:defRPr/>
@@ -15515,7 +15516,7 @@
             <a:pPr>
               <a:defRPr/>
             </a:pPr>
-            <a:fld id="{731BA6C3-CF0A-48F3-97E2-5EF215247E46}" type="datetimeFigureOut">
+            <a:fld id="{7D40BEE5-C914-4631-B60B-8D68F664BDA0}" type="datetimeFigureOut">
               <a:rPr lang="es-PE"/>
               <a:pPr>
                 <a:defRPr/>
@@ -15612,7 +15613,7 @@
             <a:pPr>
               <a:defRPr/>
             </a:pPr>
-            <a:fld id="{D7CC0541-D886-43E2-ADEC-58F28C0F63D4}" type="slidenum">
+            <a:fld id="{6F643E68-9FAB-42CA-80E8-01315A62D3A9}" type="slidenum">
               <a:rPr lang="es-PE"/>
               <a:pPr>
                 <a:defRPr/>
@@ -16400,6 +16401,933 @@
         </p:nvGraphicFramePr>
         <p:xfrm>
           <a:off x="323850" y="2349500"/>
+          <a:ext cx="8569325" cy="4175125"/>
+        </p:xfrm>
+        <a:graphic>
+          <a:graphicData uri="http://schemas.openxmlformats.org/drawingml/2006/table">
+            <a:tbl>
+              <a:tblPr/>
+              <a:tblGrid>
+                <a:gridCol w="2427288"/>
+                <a:gridCol w="6142037"/>
+              </a:tblGrid>
+              <a:tr h="1042988">
+                <a:tc>
+                  <a:txBody>
+                    <a:bodyPr/>
+                    <a:lstStyle/>
+                    <a:p>
+                      <a:pPr marL="0" marR="0" lvl="0" indent="0" algn="l" defTabSz="914400" rtl="0" eaLnBrk="1" fontAlgn="base" latinLnBrk="0" hangingPunct="1">
+                        <a:lnSpc>
+                          <a:spcPct val="100000"/>
+                        </a:lnSpc>
+                        <a:spcBef>
+                          <a:spcPct val="0"/>
+                        </a:spcBef>
+                        <a:spcAft>
+                          <a:spcPct val="0"/>
+                        </a:spcAft>
+                        <a:buClrTx/>
+                        <a:buSzTx/>
+                        <a:buFontTx/>
+                        <a:buNone/>
+                        <a:tabLst/>
+                      </a:pPr>
+                      <a:endParaRPr kumimoji="0" lang="es-ES" sz="1800" b="1" i="0" u="none" strike="noStrike" cap="none" normalizeH="0" baseline="0" smtClean="0">
+                        <a:ln>
+                          <a:noFill/>
+                        </a:ln>
+                        <a:solidFill>
+                          <a:schemeClr val="tx1"/>
+                        </a:solidFill>
+                        <a:effectLst/>
+                        <a:latin typeface="Candara" pitchFamily="34" charset="0"/>
+                      </a:endParaRPr>
+                    </a:p>
+                  </a:txBody>
+                  <a:tcPr horzOverflow="overflow">
+                    <a:lnL w="12700" cap="flat" cmpd="sng" algn="ctr">
+                      <a:solidFill>
+                        <a:schemeClr val="accent1"/>
+                      </a:solidFill>
+                      <a:prstDash val="solid"/>
+                      <a:round/>
+                      <a:headEnd type="none" w="med" len="med"/>
+                      <a:tailEnd type="none" w="med" len="med"/>
+                    </a:lnL>
+                    <a:lnR w="12700" cap="flat" cmpd="sng" algn="ctr">
+                      <a:solidFill>
+                        <a:schemeClr val="accent1"/>
+                      </a:solidFill>
+                      <a:prstDash val="solid"/>
+                      <a:round/>
+                      <a:headEnd type="none" w="med" len="med"/>
+                      <a:tailEnd type="none" w="med" len="med"/>
+                    </a:lnR>
+                    <a:lnT w="12700" cap="flat" cmpd="sng" algn="ctr">
+                      <a:solidFill>
+                        <a:schemeClr val="accent1"/>
+                      </a:solidFill>
+                      <a:prstDash val="solid"/>
+                      <a:round/>
+                      <a:headEnd type="none" w="med" len="med"/>
+                      <a:tailEnd type="none" w="med" len="med"/>
+                    </a:lnT>
+                    <a:lnB w="25400" cap="flat" cmpd="sng" algn="ctr">
+                      <a:solidFill>
+                        <a:schemeClr val="accent1"/>
+                      </a:solidFill>
+                      <a:prstDash val="solid"/>
+                      <a:round/>
+                      <a:headEnd type="none" w="med" len="med"/>
+                      <a:tailEnd type="none" w="med" len="med"/>
+                    </a:lnB>
+                    <a:lnTlToBr>
+                      <a:noFill/>
+                    </a:lnTlToBr>
+                    <a:lnBlToTr>
+                      <a:noFill/>
+                    </a:lnBlToTr>
+                    <a:noFill/>
+                  </a:tcPr>
+                </a:tc>
+                <a:tc>
+                  <a:txBody>
+                    <a:bodyPr/>
+                    <a:lstStyle/>
+                    <a:p>
+                      <a:pPr marL="0" marR="0" lvl="0" indent="0" algn="just" defTabSz="914400" rtl="0" eaLnBrk="1" fontAlgn="base" latinLnBrk="0" hangingPunct="1">
+                        <a:lnSpc>
+                          <a:spcPct val="100000"/>
+                        </a:lnSpc>
+                        <a:spcBef>
+                          <a:spcPct val="0"/>
+                        </a:spcBef>
+                        <a:spcAft>
+                          <a:spcPct val="0"/>
+                        </a:spcAft>
+                        <a:buClrTx/>
+                        <a:buSzTx/>
+                        <a:buFontTx/>
+                        <a:buNone/>
+                        <a:tabLst/>
+                      </a:pPr>
+                      <a:r>
+                        <a:rPr kumimoji="0" lang="es-PE" sz="1800" b="0" i="0" u="none" strike="noStrike" cap="none" normalizeH="0" baseline="0" smtClean="0">
+                          <a:ln>
+                            <a:noFill/>
+                          </a:ln>
+                          <a:solidFill>
+                            <a:schemeClr val="tx1"/>
+                          </a:solidFill>
+                          <a:effectLst/>
+                          <a:latin typeface="Candara" pitchFamily="34" charset="0"/>
+                        </a:rPr>
+                        <a:t>Representa el registro de la Base publicada</a:t>
+                      </a:r>
+                      <a:endParaRPr kumimoji="0" lang="es-ES" sz="1800" b="0" i="0" u="none" strike="noStrike" cap="none" normalizeH="0" baseline="0" smtClean="0">
+                        <a:ln>
+                          <a:noFill/>
+                        </a:ln>
+                        <a:solidFill>
+                          <a:schemeClr val="tx1"/>
+                        </a:solidFill>
+                        <a:effectLst/>
+                        <a:latin typeface="Candara" pitchFamily="34" charset="0"/>
+                      </a:endParaRPr>
+                    </a:p>
+                  </a:txBody>
+                  <a:tcPr horzOverflow="overflow">
+                    <a:lnL w="12700" cap="flat" cmpd="sng" algn="ctr">
+                      <a:solidFill>
+                        <a:schemeClr val="accent1"/>
+                      </a:solidFill>
+                      <a:prstDash val="solid"/>
+                      <a:round/>
+                      <a:headEnd type="none" w="med" len="med"/>
+                      <a:tailEnd type="none" w="med" len="med"/>
+                    </a:lnL>
+                    <a:lnR w="12700" cap="flat" cmpd="sng" algn="ctr">
+                      <a:solidFill>
+                        <a:schemeClr val="accent1"/>
+                      </a:solidFill>
+                      <a:prstDash val="solid"/>
+                      <a:round/>
+                      <a:headEnd type="none" w="med" len="med"/>
+                      <a:tailEnd type="none" w="med" len="med"/>
+                    </a:lnR>
+                    <a:lnT w="12700" cap="flat" cmpd="sng" algn="ctr">
+                      <a:solidFill>
+                        <a:schemeClr val="accent1"/>
+                      </a:solidFill>
+                      <a:prstDash val="solid"/>
+                      <a:round/>
+                      <a:headEnd type="none" w="med" len="med"/>
+                      <a:tailEnd type="none" w="med" len="med"/>
+                    </a:lnT>
+                    <a:lnB w="25400" cap="flat" cmpd="sng" algn="ctr">
+                      <a:solidFill>
+                        <a:schemeClr val="accent1"/>
+                      </a:solidFill>
+                      <a:prstDash val="solid"/>
+                      <a:round/>
+                      <a:headEnd type="none" w="med" len="med"/>
+                      <a:tailEnd type="none" w="med" len="med"/>
+                    </a:lnB>
+                    <a:lnTlToBr>
+                      <a:noFill/>
+                    </a:lnTlToBr>
+                    <a:lnBlToTr>
+                      <a:noFill/>
+                    </a:lnBlToTr>
+                    <a:noFill/>
+                  </a:tcPr>
+                </a:tc>
+              </a:tr>
+              <a:tr h="1044575">
+                <a:tc>
+                  <a:txBody>
+                    <a:bodyPr/>
+                    <a:lstStyle/>
+                    <a:p>
+                      <a:pPr marL="0" marR="0" lvl="0" indent="0" algn="l" defTabSz="914400" rtl="0" eaLnBrk="1" fontAlgn="base" latinLnBrk="0" hangingPunct="1">
+                        <a:lnSpc>
+                          <a:spcPct val="100000"/>
+                        </a:lnSpc>
+                        <a:spcBef>
+                          <a:spcPct val="0"/>
+                        </a:spcBef>
+                        <a:spcAft>
+                          <a:spcPct val="0"/>
+                        </a:spcAft>
+                        <a:buClrTx/>
+                        <a:buSzTx/>
+                        <a:buFontTx/>
+                        <a:buNone/>
+                        <a:tabLst/>
+                      </a:pPr>
+                      <a:endParaRPr kumimoji="0" lang="es-ES" sz="1800" b="0" i="0" u="none" strike="noStrike" cap="none" normalizeH="0" baseline="0" smtClean="0">
+                        <a:ln>
+                          <a:noFill/>
+                        </a:ln>
+                        <a:solidFill>
+                          <a:schemeClr val="tx1"/>
+                        </a:solidFill>
+                        <a:effectLst/>
+                        <a:latin typeface="Candara" pitchFamily="34" charset="0"/>
+                      </a:endParaRPr>
+                    </a:p>
+                  </a:txBody>
+                  <a:tcPr horzOverflow="overflow">
+                    <a:lnL w="12700" cap="flat" cmpd="sng" algn="ctr">
+                      <a:solidFill>
+                        <a:schemeClr val="accent1"/>
+                      </a:solidFill>
+                      <a:prstDash val="solid"/>
+                      <a:round/>
+                      <a:headEnd type="none" w="med" len="med"/>
+                      <a:tailEnd type="none" w="med" len="med"/>
+                    </a:lnL>
+                    <a:lnR w="12700" cap="flat" cmpd="sng" algn="ctr">
+                      <a:solidFill>
+                        <a:schemeClr val="accent1"/>
+                      </a:solidFill>
+                      <a:prstDash val="solid"/>
+                      <a:round/>
+                      <a:headEnd type="none" w="med" len="med"/>
+                      <a:tailEnd type="none" w="med" len="med"/>
+                    </a:lnR>
+                    <a:lnT w="25400" cap="flat" cmpd="sng" algn="ctr">
+                      <a:solidFill>
+                        <a:schemeClr val="accent1"/>
+                      </a:solidFill>
+                      <a:prstDash val="solid"/>
+                      <a:round/>
+                      <a:headEnd type="none" w="med" len="med"/>
+                      <a:tailEnd type="none" w="med" len="med"/>
+                    </a:lnT>
+                    <a:lnB w="12700" cap="flat" cmpd="sng" algn="ctr">
+                      <a:solidFill>
+                        <a:schemeClr val="accent1"/>
+                      </a:solidFill>
+                      <a:prstDash val="solid"/>
+                      <a:round/>
+                      <a:headEnd type="none" w="med" len="med"/>
+                      <a:tailEnd type="none" w="med" len="med"/>
+                    </a:lnB>
+                    <a:lnTlToBr>
+                      <a:noFill/>
+                    </a:lnTlToBr>
+                    <a:lnBlToTr>
+                      <a:noFill/>
+                    </a:lnBlToTr>
+                    <a:solidFill>
+                      <a:schemeClr val="accent1">
+                        <a:alpha val="20000"/>
+                      </a:schemeClr>
+                    </a:solidFill>
+                  </a:tcPr>
+                </a:tc>
+                <a:tc>
+                  <a:txBody>
+                    <a:bodyPr/>
+                    <a:lstStyle/>
+                    <a:p>
+                      <a:pPr marL="0" marR="0" lvl="0" indent="0" algn="just" defTabSz="914400" rtl="0" eaLnBrk="1" fontAlgn="base" latinLnBrk="0" hangingPunct="1">
+                        <a:lnSpc>
+                          <a:spcPct val="100000"/>
+                        </a:lnSpc>
+                        <a:spcBef>
+                          <a:spcPct val="0"/>
+                        </a:spcBef>
+                        <a:spcAft>
+                          <a:spcPct val="0"/>
+                        </a:spcAft>
+                        <a:buClrTx/>
+                        <a:buSzTx/>
+                        <a:buFontTx/>
+                        <a:buNone/>
+                        <a:tabLst/>
+                      </a:pPr>
+                      <a:r>
+                        <a:rPr kumimoji="0" lang="es-PE" sz="1800" b="0" i="0" u="none" strike="noStrike" cap="none" normalizeH="0" baseline="0" smtClean="0">
+                          <a:ln>
+                            <a:noFill/>
+                          </a:ln>
+                          <a:solidFill>
+                            <a:schemeClr val="tx1"/>
+                          </a:solidFill>
+                          <a:effectLst/>
+                          <a:latin typeface="Candara" pitchFamily="34" charset="0"/>
+                        </a:rPr>
+                        <a:t>Representa el registro del Informe de Proyecto</a:t>
+                      </a:r>
+                      <a:endParaRPr kumimoji="0" lang="es-ES" sz="1800" b="0" i="0" u="none" strike="noStrike" cap="none" normalizeH="0" baseline="0" smtClean="0">
+                        <a:ln>
+                          <a:noFill/>
+                        </a:ln>
+                        <a:solidFill>
+                          <a:schemeClr val="tx1"/>
+                        </a:solidFill>
+                        <a:effectLst/>
+                        <a:latin typeface="Candara" pitchFamily="34" charset="0"/>
+                      </a:endParaRPr>
+                    </a:p>
+                  </a:txBody>
+                  <a:tcPr horzOverflow="overflow">
+                    <a:lnL w="12700" cap="flat" cmpd="sng" algn="ctr">
+                      <a:solidFill>
+                        <a:schemeClr val="accent1"/>
+                      </a:solidFill>
+                      <a:prstDash val="solid"/>
+                      <a:round/>
+                      <a:headEnd type="none" w="med" len="med"/>
+                      <a:tailEnd type="none" w="med" len="med"/>
+                    </a:lnL>
+                    <a:lnR w="12700" cap="flat" cmpd="sng" algn="ctr">
+                      <a:solidFill>
+                        <a:schemeClr val="accent1"/>
+                      </a:solidFill>
+                      <a:prstDash val="solid"/>
+                      <a:round/>
+                      <a:headEnd type="none" w="med" len="med"/>
+                      <a:tailEnd type="none" w="med" len="med"/>
+                    </a:lnR>
+                    <a:lnT w="25400" cap="flat" cmpd="sng" algn="ctr">
+                      <a:solidFill>
+                        <a:schemeClr val="accent1"/>
+                      </a:solidFill>
+                      <a:prstDash val="solid"/>
+                      <a:round/>
+                      <a:headEnd type="none" w="med" len="med"/>
+                      <a:tailEnd type="none" w="med" len="med"/>
+                    </a:lnT>
+                    <a:lnB w="12700" cap="flat" cmpd="sng" algn="ctr">
+                      <a:solidFill>
+                        <a:schemeClr val="accent1"/>
+                      </a:solidFill>
+                      <a:prstDash val="solid"/>
+                      <a:round/>
+                      <a:headEnd type="none" w="med" len="med"/>
+                      <a:tailEnd type="none" w="med" len="med"/>
+                    </a:lnB>
+                    <a:lnTlToBr>
+                      <a:noFill/>
+                    </a:lnTlToBr>
+                    <a:lnBlToTr>
+                      <a:noFill/>
+                    </a:lnBlToTr>
+                    <a:solidFill>
+                      <a:schemeClr val="accent1">
+                        <a:alpha val="20000"/>
+                      </a:schemeClr>
+                    </a:solidFill>
+                  </a:tcPr>
+                </a:tc>
+              </a:tr>
+              <a:tr h="1042988">
+                <a:tc>
+                  <a:txBody>
+                    <a:bodyPr/>
+                    <a:lstStyle/>
+                    <a:p>
+                      <a:pPr marL="0" marR="0" lvl="0" indent="0" algn="l" defTabSz="914400" rtl="0" eaLnBrk="1" fontAlgn="base" latinLnBrk="0" hangingPunct="1">
+                        <a:lnSpc>
+                          <a:spcPct val="100000"/>
+                        </a:lnSpc>
+                        <a:spcBef>
+                          <a:spcPct val="0"/>
+                        </a:spcBef>
+                        <a:spcAft>
+                          <a:spcPct val="0"/>
+                        </a:spcAft>
+                        <a:buClrTx/>
+                        <a:buSzTx/>
+                        <a:buFontTx/>
+                        <a:buNone/>
+                        <a:tabLst/>
+                      </a:pPr>
+                      <a:endParaRPr kumimoji="0" lang="es-ES" sz="1800" b="0" i="0" u="none" strike="noStrike" cap="none" normalizeH="0" baseline="0" smtClean="0">
+                        <a:ln>
+                          <a:noFill/>
+                        </a:ln>
+                        <a:solidFill>
+                          <a:schemeClr val="tx1"/>
+                        </a:solidFill>
+                        <a:effectLst/>
+                        <a:latin typeface="Candara" pitchFamily="34" charset="0"/>
+                      </a:endParaRPr>
+                    </a:p>
+                  </a:txBody>
+                  <a:tcPr horzOverflow="overflow">
+                    <a:lnL w="12700" cap="flat" cmpd="sng" algn="ctr">
+                      <a:solidFill>
+                        <a:schemeClr val="accent1"/>
+                      </a:solidFill>
+                      <a:prstDash val="solid"/>
+                      <a:round/>
+                      <a:headEnd type="none" w="med" len="med"/>
+                      <a:tailEnd type="none" w="med" len="med"/>
+                    </a:lnL>
+                    <a:lnR w="12700" cap="flat" cmpd="sng" algn="ctr">
+                      <a:solidFill>
+                        <a:schemeClr val="accent1"/>
+                      </a:solidFill>
+                      <a:prstDash val="solid"/>
+                      <a:round/>
+                      <a:headEnd type="none" w="med" len="med"/>
+                      <a:tailEnd type="none" w="med" len="med"/>
+                    </a:lnR>
+                    <a:lnT w="12700" cap="flat" cmpd="sng" algn="ctr">
+                      <a:solidFill>
+                        <a:schemeClr val="accent1"/>
+                      </a:solidFill>
+                      <a:prstDash val="solid"/>
+                      <a:round/>
+                      <a:headEnd type="none" w="med" len="med"/>
+                      <a:tailEnd type="none" w="med" len="med"/>
+                    </a:lnT>
+                    <a:lnB w="12700" cap="flat" cmpd="sng" algn="ctr">
+                      <a:solidFill>
+                        <a:schemeClr val="accent1"/>
+                      </a:solidFill>
+                      <a:prstDash val="solid"/>
+                      <a:round/>
+                      <a:headEnd type="none" w="med" len="med"/>
+                      <a:tailEnd type="none" w="med" len="med"/>
+                    </a:lnB>
+                    <a:lnTlToBr>
+                      <a:noFill/>
+                    </a:lnTlToBr>
+                    <a:lnBlToTr>
+                      <a:noFill/>
+                    </a:lnBlToTr>
+                    <a:noFill/>
+                  </a:tcPr>
+                </a:tc>
+                <a:tc>
+                  <a:txBody>
+                    <a:bodyPr/>
+                    <a:lstStyle/>
+                    <a:p>
+                      <a:pPr marL="0" marR="0" lvl="0" indent="0" algn="just" defTabSz="914400" rtl="0" eaLnBrk="1" fontAlgn="base" latinLnBrk="0" hangingPunct="1">
+                        <a:lnSpc>
+                          <a:spcPct val="100000"/>
+                        </a:lnSpc>
+                        <a:spcBef>
+                          <a:spcPct val="0"/>
+                        </a:spcBef>
+                        <a:spcAft>
+                          <a:spcPct val="0"/>
+                        </a:spcAft>
+                        <a:buClrTx/>
+                        <a:buSzTx/>
+                        <a:buFontTx/>
+                        <a:buNone/>
+                        <a:tabLst/>
+                      </a:pPr>
+                      <a:r>
+                        <a:rPr kumimoji="0" lang="es-PE" sz="1800" b="0" i="0" u="none" strike="noStrike" cap="none" normalizeH="0" baseline="0" smtClean="0">
+                          <a:ln>
+                            <a:noFill/>
+                          </a:ln>
+                          <a:solidFill>
+                            <a:schemeClr val="tx1"/>
+                          </a:solidFill>
+                          <a:effectLst/>
+                          <a:latin typeface="Candara" pitchFamily="34" charset="0"/>
+                        </a:rPr>
+                        <a:t>Representa el registro de Acta de Conformidad</a:t>
+                      </a:r>
+                      <a:endParaRPr kumimoji="0" lang="es-ES" sz="1800" b="0" i="0" u="none" strike="noStrike" cap="none" normalizeH="0" baseline="0" smtClean="0">
+                        <a:ln>
+                          <a:noFill/>
+                        </a:ln>
+                        <a:solidFill>
+                          <a:schemeClr val="tx1"/>
+                        </a:solidFill>
+                        <a:effectLst/>
+                        <a:latin typeface="Candara" pitchFamily="34" charset="0"/>
+                      </a:endParaRPr>
+                    </a:p>
+                  </a:txBody>
+                  <a:tcPr horzOverflow="overflow">
+                    <a:lnL w="12700" cap="flat" cmpd="sng" algn="ctr">
+                      <a:solidFill>
+                        <a:schemeClr val="accent1"/>
+                      </a:solidFill>
+                      <a:prstDash val="solid"/>
+                      <a:round/>
+                      <a:headEnd type="none" w="med" len="med"/>
+                      <a:tailEnd type="none" w="med" len="med"/>
+                    </a:lnL>
+                    <a:lnR w="12700" cap="flat" cmpd="sng" algn="ctr">
+                      <a:solidFill>
+                        <a:schemeClr val="accent1"/>
+                      </a:solidFill>
+                      <a:prstDash val="solid"/>
+                      <a:round/>
+                      <a:headEnd type="none" w="med" len="med"/>
+                      <a:tailEnd type="none" w="med" len="med"/>
+                    </a:lnR>
+                    <a:lnT w="12700" cap="flat" cmpd="sng" algn="ctr">
+                      <a:solidFill>
+                        <a:schemeClr val="accent1"/>
+                      </a:solidFill>
+                      <a:prstDash val="solid"/>
+                      <a:round/>
+                      <a:headEnd type="none" w="med" len="med"/>
+                      <a:tailEnd type="none" w="med" len="med"/>
+                    </a:lnT>
+                    <a:lnB w="12700" cap="flat" cmpd="sng" algn="ctr">
+                      <a:solidFill>
+                        <a:schemeClr val="accent1"/>
+                      </a:solidFill>
+                      <a:prstDash val="solid"/>
+                      <a:round/>
+                      <a:headEnd type="none" w="med" len="med"/>
+                      <a:tailEnd type="none" w="med" len="med"/>
+                    </a:lnB>
+                    <a:lnTlToBr>
+                      <a:noFill/>
+                    </a:lnTlToBr>
+                    <a:lnBlToTr>
+                      <a:noFill/>
+                    </a:lnBlToTr>
+                    <a:noFill/>
+                  </a:tcPr>
+                </a:tc>
+              </a:tr>
+              <a:tr h="1044575">
+                <a:tc>
+                  <a:txBody>
+                    <a:bodyPr/>
+                    <a:lstStyle/>
+                    <a:p>
+                      <a:pPr marL="0" marR="0" lvl="0" indent="0" algn="l" defTabSz="914400" rtl="0" eaLnBrk="1" fontAlgn="base" latinLnBrk="0" hangingPunct="1">
+                        <a:lnSpc>
+                          <a:spcPct val="100000"/>
+                        </a:lnSpc>
+                        <a:spcBef>
+                          <a:spcPct val="0"/>
+                        </a:spcBef>
+                        <a:spcAft>
+                          <a:spcPct val="0"/>
+                        </a:spcAft>
+                        <a:buClrTx/>
+                        <a:buSzTx/>
+                        <a:buFontTx/>
+                        <a:buNone/>
+                        <a:tabLst/>
+                      </a:pPr>
+                      <a:endParaRPr kumimoji="0" lang="es-ES" sz="1800" b="0" i="0" u="none" strike="noStrike" cap="none" normalizeH="0" baseline="0" smtClean="0">
+                        <a:ln>
+                          <a:noFill/>
+                        </a:ln>
+                        <a:solidFill>
+                          <a:schemeClr val="tx1"/>
+                        </a:solidFill>
+                        <a:effectLst/>
+                        <a:latin typeface="Candara" pitchFamily="34" charset="0"/>
+                      </a:endParaRPr>
+                    </a:p>
+                  </a:txBody>
+                  <a:tcPr horzOverflow="overflow">
+                    <a:lnL w="12700" cap="flat" cmpd="sng" algn="ctr">
+                      <a:solidFill>
+                        <a:schemeClr val="accent1"/>
+                      </a:solidFill>
+                      <a:prstDash val="solid"/>
+                      <a:round/>
+                      <a:headEnd type="none" w="med" len="med"/>
+                      <a:tailEnd type="none" w="med" len="med"/>
+                    </a:lnL>
+                    <a:lnR w="12700" cap="flat" cmpd="sng" algn="ctr">
+                      <a:solidFill>
+                        <a:schemeClr val="accent1"/>
+                      </a:solidFill>
+                      <a:prstDash val="solid"/>
+                      <a:round/>
+                      <a:headEnd type="none" w="med" len="med"/>
+                      <a:tailEnd type="none" w="med" len="med"/>
+                    </a:lnR>
+                    <a:lnT w="12700" cap="flat" cmpd="sng" algn="ctr">
+                      <a:solidFill>
+                        <a:schemeClr val="accent1"/>
+                      </a:solidFill>
+                      <a:prstDash val="solid"/>
+                      <a:round/>
+                      <a:headEnd type="none" w="med" len="med"/>
+                      <a:tailEnd type="none" w="med" len="med"/>
+                    </a:lnT>
+                    <a:lnB w="12700" cap="flat" cmpd="sng" algn="ctr">
+                      <a:solidFill>
+                        <a:schemeClr val="accent1"/>
+                      </a:solidFill>
+                      <a:prstDash val="solid"/>
+                      <a:round/>
+                      <a:headEnd type="none" w="med" len="med"/>
+                      <a:tailEnd type="none" w="med" len="med"/>
+                    </a:lnB>
+                    <a:lnTlToBr>
+                      <a:noFill/>
+                    </a:lnTlToBr>
+                    <a:lnBlToTr>
+                      <a:noFill/>
+                    </a:lnBlToTr>
+                    <a:solidFill>
+                      <a:schemeClr val="accent1">
+                        <a:alpha val="20000"/>
+                      </a:schemeClr>
+                    </a:solidFill>
+                  </a:tcPr>
+                </a:tc>
+                <a:tc>
+                  <a:txBody>
+                    <a:bodyPr/>
+                    <a:lstStyle/>
+                    <a:p>
+                      <a:pPr marL="0" marR="0" lvl="0" indent="0" algn="just" defTabSz="914400" rtl="0" eaLnBrk="1" fontAlgn="base" latinLnBrk="0" hangingPunct="1">
+                        <a:lnSpc>
+                          <a:spcPct val="100000"/>
+                        </a:lnSpc>
+                        <a:spcBef>
+                          <a:spcPct val="0"/>
+                        </a:spcBef>
+                        <a:spcAft>
+                          <a:spcPct val="0"/>
+                        </a:spcAft>
+                        <a:buClrTx/>
+                        <a:buSzTx/>
+                        <a:buFontTx/>
+                        <a:buNone/>
+                        <a:tabLst/>
+                      </a:pPr>
+                      <a:r>
+                        <a:rPr kumimoji="0" lang="es-PE" sz="1800" b="0" i="0" u="none" strike="noStrike" cap="none" normalizeH="0" baseline="0" smtClean="0">
+                          <a:ln>
+                            <a:noFill/>
+                          </a:ln>
+                          <a:solidFill>
+                            <a:schemeClr val="tx1"/>
+                          </a:solidFill>
+                          <a:effectLst/>
+                          <a:latin typeface="Candara" pitchFamily="34" charset="0"/>
+                        </a:rPr>
+                        <a:t>Representa el registro de la Propuesta Técnica</a:t>
+                      </a:r>
+                      <a:endParaRPr kumimoji="0" lang="es-ES" sz="1800" b="0" i="0" u="none" strike="noStrike" cap="none" normalizeH="0" baseline="0" smtClean="0">
+                        <a:ln>
+                          <a:noFill/>
+                        </a:ln>
+                        <a:solidFill>
+                          <a:schemeClr val="tx1"/>
+                        </a:solidFill>
+                        <a:effectLst/>
+                        <a:latin typeface="Candara" pitchFamily="34" charset="0"/>
+                      </a:endParaRPr>
+                    </a:p>
+                  </a:txBody>
+                  <a:tcPr horzOverflow="overflow">
+                    <a:lnL w="12700" cap="flat" cmpd="sng" algn="ctr">
+                      <a:solidFill>
+                        <a:schemeClr val="accent1"/>
+                      </a:solidFill>
+                      <a:prstDash val="solid"/>
+                      <a:round/>
+                      <a:headEnd type="none" w="med" len="med"/>
+                      <a:tailEnd type="none" w="med" len="med"/>
+                    </a:lnL>
+                    <a:lnR w="12700" cap="flat" cmpd="sng" algn="ctr">
+                      <a:solidFill>
+                        <a:schemeClr val="accent1"/>
+                      </a:solidFill>
+                      <a:prstDash val="solid"/>
+                      <a:round/>
+                      <a:headEnd type="none" w="med" len="med"/>
+                      <a:tailEnd type="none" w="med" len="med"/>
+                    </a:lnR>
+                    <a:lnT w="12700" cap="flat" cmpd="sng" algn="ctr">
+                      <a:solidFill>
+                        <a:schemeClr val="accent1"/>
+                      </a:solidFill>
+                      <a:prstDash val="solid"/>
+                      <a:round/>
+                      <a:headEnd type="none" w="med" len="med"/>
+                      <a:tailEnd type="none" w="med" len="med"/>
+                    </a:lnT>
+                    <a:lnB w="12700" cap="flat" cmpd="sng" algn="ctr">
+                      <a:solidFill>
+                        <a:schemeClr val="accent1"/>
+                      </a:solidFill>
+                      <a:prstDash val="solid"/>
+                      <a:round/>
+                      <a:headEnd type="none" w="med" len="med"/>
+                      <a:tailEnd type="none" w="med" len="med"/>
+                    </a:lnB>
+                    <a:lnTlToBr>
+                      <a:noFill/>
+                    </a:lnTlToBr>
+                    <a:lnBlToTr>
+                      <a:noFill/>
+                    </a:lnBlToTr>
+                    <a:solidFill>
+                      <a:schemeClr val="accent1">
+                        <a:alpha val="20000"/>
+                      </a:schemeClr>
+                    </a:solidFill>
+                  </a:tcPr>
+                </a:tc>
+              </a:tr>
+            </a:tbl>
+          </a:graphicData>
+        </a:graphic>
+      </p:graphicFrame>
+      <p:pic>
+        <p:nvPicPr>
+          <p:cNvPr id="25619" name="Picture 2"/>
+          <p:cNvPicPr>
+            <a:picLocks noChangeAspect="1" noChangeArrowheads="1"/>
+          </p:cNvPicPr>
+          <p:nvPr/>
+        </p:nvPicPr>
+        <p:blipFill>
+          <a:blip r:embed="rId2"/>
+          <a:srcRect/>
+          <a:stretch>
+            <a:fillRect/>
+          </a:stretch>
+        </p:blipFill>
+        <p:spPr bwMode="auto">
+          <a:xfrm>
+            <a:off x="827088" y="2420938"/>
+            <a:ext cx="1428750" cy="904875"/>
+          </a:xfrm>
+          <a:prstGeom prst="rect">
+            <a:avLst/>
+          </a:prstGeom>
+          <a:noFill/>
+          <a:ln w="9525">
+            <a:noFill/>
+            <a:miter lim="800000"/>
+            <a:headEnd/>
+            <a:tailEnd/>
+          </a:ln>
+        </p:spPr>
+      </p:pic>
+      <p:pic>
+        <p:nvPicPr>
+          <p:cNvPr id="25620" name="Picture 3"/>
+          <p:cNvPicPr>
+            <a:picLocks noChangeAspect="1" noChangeArrowheads="1"/>
+          </p:cNvPicPr>
+          <p:nvPr/>
+        </p:nvPicPr>
+        <p:blipFill>
+          <a:blip r:embed="rId3"/>
+          <a:srcRect/>
+          <a:stretch>
+            <a:fillRect/>
+          </a:stretch>
+        </p:blipFill>
+        <p:spPr bwMode="auto">
+          <a:xfrm>
+            <a:off x="839788" y="3479800"/>
+            <a:ext cx="1428750" cy="885825"/>
+          </a:xfrm>
+          <a:prstGeom prst="rect">
+            <a:avLst/>
+          </a:prstGeom>
+          <a:noFill/>
+          <a:ln w="9525">
+            <a:noFill/>
+            <a:miter lim="800000"/>
+            <a:headEnd/>
+            <a:tailEnd/>
+          </a:ln>
+        </p:spPr>
+      </p:pic>
+      <p:pic>
+        <p:nvPicPr>
+          <p:cNvPr id="25621" name="Picture 4"/>
+          <p:cNvPicPr>
+            <a:picLocks noChangeAspect="1" noChangeArrowheads="1"/>
+          </p:cNvPicPr>
+          <p:nvPr/>
+        </p:nvPicPr>
+        <p:blipFill>
+          <a:blip r:embed="rId4"/>
+          <a:srcRect/>
+          <a:stretch>
+            <a:fillRect/>
+          </a:stretch>
+        </p:blipFill>
+        <p:spPr bwMode="auto">
+          <a:xfrm>
+            <a:off x="827088" y="4508500"/>
+            <a:ext cx="1457325" cy="876300"/>
+          </a:xfrm>
+          <a:prstGeom prst="rect">
+            <a:avLst/>
+          </a:prstGeom>
+          <a:noFill/>
+          <a:ln w="9525">
+            <a:noFill/>
+            <a:miter lim="800000"/>
+            <a:headEnd/>
+            <a:tailEnd/>
+          </a:ln>
+        </p:spPr>
+      </p:pic>
+      <p:pic>
+        <p:nvPicPr>
+          <p:cNvPr id="25622" name="Picture 5"/>
+          <p:cNvPicPr>
+            <a:picLocks noChangeAspect="1" noChangeArrowheads="1"/>
+          </p:cNvPicPr>
+          <p:nvPr/>
+        </p:nvPicPr>
+        <p:blipFill>
+          <a:blip r:embed="rId5"/>
+          <a:srcRect/>
+          <a:stretch>
+            <a:fillRect/>
+          </a:stretch>
+        </p:blipFill>
+        <p:spPr bwMode="auto">
+          <a:xfrm>
+            <a:off x="755650" y="5567363"/>
+            <a:ext cx="1543050" cy="885825"/>
+          </a:xfrm>
+          <a:prstGeom prst="rect">
+            <a:avLst/>
+          </a:prstGeom>
+          <a:noFill/>
+          <a:ln w="9525">
+            <a:noFill/>
+            <a:miter lim="800000"/>
+            <a:headEnd/>
+            <a:tailEnd/>
+          </a:ln>
+        </p:spPr>
+      </p:pic>
+    </p:spTree>
+  </p:cSld>
+  <p:clrMapOvr>
+    <a:masterClrMapping/>
+  </p:clrMapOvr>
+  <p:timing>
+    <p:tnLst>
+      <p:par>
+        <p:cTn id="1" dur="indefinite" restart="never" nodeType="tmRoot"/>
+      </p:par>
+    </p:tnLst>
+  </p:timing>
+</p:sld>
+</file>
+
+<file path=ppt/slides/slide11.xml><?xml version="1.0" encoding="utf-8"?>
+<p:sld xmlns:a="http://schemas.openxmlformats.org/drawingml/2006/main" xmlns:r="http://schemas.openxmlformats.org/officeDocument/2006/relationships" xmlns:p="http://schemas.openxmlformats.org/presentationml/2006/main">
+  <p:cSld>
+    <p:spTree>
+      <p:nvGrpSpPr>
+        <p:cNvPr id="1" name=""/>
+        <p:cNvGrpSpPr/>
+        <p:nvPr/>
+      </p:nvGrpSpPr>
+      <p:grpSpPr>
+        <a:xfrm>
+          <a:off x="0" y="0"/>
+          <a:ext cx="0" cy="0"/>
+          <a:chOff x="0" y="0"/>
+          <a:chExt cx="0" cy="0"/>
+        </a:xfrm>
+      </p:grpSpPr>
+      <p:sp>
+        <p:nvSpPr>
+          <p:cNvPr id="3" name="2 Título"/>
+          <p:cNvSpPr>
+            <a:spLocks noGrp="1"/>
+          </p:cNvSpPr>
+          <p:nvPr>
+            <p:ph type="title"/>
+          </p:nvPr>
+        </p:nvSpPr>
+        <p:spPr/>
+        <p:txBody>
+          <a:bodyPr rtlCol="0">
+            <a:normAutofit fontScale="90000"/>
+          </a:bodyPr>
+          <a:lstStyle/>
+          <a:p>
+            <a:pPr eaLnBrk="1" fontAlgn="auto" hangingPunct="1">
+              <a:spcAft>
+                <a:spcPts val="0"/>
+              </a:spcAft>
+              <a:defRPr/>
+            </a:pPr>
+            <a:r>
+              <a:rPr lang="es-PE" dirty="0"/>
+              <a:t>ESPECIFICACION </a:t>
+            </a:r>
+            <a:r>
+              <a:rPr lang="es-PE" dirty="0" smtClean="0"/>
+              <a:t>DE ENTIDADES DEL NEGOCIO</a:t>
+            </a:r>
+            <a:endParaRPr lang="es-PE" dirty="0"/>
+          </a:p>
+        </p:txBody>
+      </p:sp>
+      <p:graphicFrame>
+        <p:nvGraphicFramePr>
+          <p:cNvPr id="6" name="5 Tabla"/>
+          <p:cNvGraphicFramePr>
+            <a:graphicFrameLocks noGrp="1"/>
+          </p:cNvGraphicFramePr>
+          <p:nvPr/>
+        </p:nvGraphicFramePr>
+        <p:xfrm>
+          <a:off x="323850" y="2349500"/>
           <a:ext cx="8569325" cy="2087563"/>
         </p:xfrm>
         <a:graphic>
@@ -16770,7 +17698,7 @@
       </p:graphicFrame>
       <p:pic>
         <p:nvPicPr>
-          <p:cNvPr id="25613" name="Picture 2"/>
+          <p:cNvPr id="26637" name="Picture 2"/>
           <p:cNvPicPr>
             <a:picLocks noChangeAspect="1" noChangeArrowheads="1"/>
           </p:cNvPicPr>
@@ -16802,7 +17730,7 @@
       </p:pic>
       <p:pic>
         <p:nvPicPr>
-          <p:cNvPr id="25614" name="Picture 3"/>
+          <p:cNvPr id="26638" name="Picture 3"/>
           <p:cNvPicPr>
             <a:picLocks noChangeAspect="1" noChangeArrowheads="1"/>
           </p:cNvPicPr>
@@ -16847,7 +17775,7 @@
 </p:sld>
 </file>
 
-<file path=ppt/slides/slide11.xml><?xml version="1.0" encoding="utf-8"?>
+<file path=ppt/slides/slide12.xml><?xml version="1.0" encoding="utf-8"?>
 <p:sld xmlns:a="http://schemas.openxmlformats.org/drawingml/2006/main" xmlns:r="http://schemas.openxmlformats.org/officeDocument/2006/relationships" xmlns:p="http://schemas.openxmlformats.org/presentationml/2006/main">
   <p:cSld>
     <p:spTree>
@@ -16913,10 +17841,17 @@
   <p:clrMapOvr>
     <a:masterClrMapping/>
   </p:clrMapOvr>
+  <p:timing>
+    <p:tnLst>
+      <p:par>
+        <p:cTn id="1" dur="indefinite" restart="never" nodeType="tmRoot"/>
+      </p:par>
+    </p:tnLst>
+  </p:timing>
 </p:sld>
 </file>
 
-<file path=ppt/slides/slide12.xml><?xml version="1.0" encoding="utf-8"?>
+<file path=ppt/slides/slide13.xml><?xml version="1.0" encoding="utf-8"?>
 <p:sld xmlns:a="http://schemas.openxmlformats.org/drawingml/2006/main" xmlns:r="http://schemas.openxmlformats.org/officeDocument/2006/relationships" xmlns:p="http://schemas.openxmlformats.org/presentationml/2006/main">
   <p:cSld>
     <p:spTree>
@@ -16935,7 +17870,7 @@
       </p:grpSpPr>
       <p:sp>
         <p:nvSpPr>
-          <p:cNvPr id="27649" name="2 Título"/>
+          <p:cNvPr id="28673" name="2 Título"/>
           <p:cNvSpPr>
             <a:spLocks noGrp="1"/>
           </p:cNvSpPr>
@@ -16967,7 +17902,7 @@
       </p:sp>
       <p:pic>
         <p:nvPicPr>
-          <p:cNvPr id="27650" name="Picture 3"/>
+          <p:cNvPr id="28674" name="Picture 3"/>
           <p:cNvPicPr>
             <a:picLocks noChangeAspect="1" noChangeArrowheads="1"/>
           </p:cNvPicPr>
@@ -16975,15 +17910,15 @@
         </p:nvPicPr>
         <p:blipFill>
           <a:blip r:embed="rId2"/>
-          <a:srcRect/>
+          <a:srcRect t="5505" b="3436"/>
           <a:stretch>
             <a:fillRect/>
           </a:stretch>
         </p:blipFill>
         <p:spPr bwMode="auto">
           <a:xfrm>
-            <a:off x="971550" y="1628775"/>
-            <a:ext cx="7416800" cy="5219700"/>
+            <a:off x="900113" y="1773238"/>
+            <a:ext cx="7775575" cy="4983162"/>
           </a:xfrm>
           <a:prstGeom prst="rect">
             <a:avLst/>
@@ -17002,10 +17937,17 @@
   <p:clrMapOvr>
     <a:masterClrMapping/>
   </p:clrMapOvr>
+  <p:timing>
+    <p:tnLst>
+      <p:par>
+        <p:cTn id="1" dur="indefinite" restart="never" nodeType="tmRoot"/>
+      </p:par>
+    </p:tnLst>
+  </p:timing>
 </p:sld>
 </file>
 
-<file path=ppt/slides/slide13.xml><?xml version="1.0" encoding="utf-8"?>
+<file path=ppt/slides/slide14.xml><?xml version="1.0" encoding="utf-8"?>
 <p:sld xmlns:a="http://schemas.openxmlformats.org/drawingml/2006/main" xmlns:r="http://schemas.openxmlformats.org/officeDocument/2006/relationships" xmlns:p="http://schemas.openxmlformats.org/presentationml/2006/main">
   <p:cSld>
     <p:spTree>
@@ -17024,7 +17966,7 @@
       </p:grpSpPr>
       <p:sp>
         <p:nvSpPr>
-          <p:cNvPr id="28673" name="1 Título"/>
+          <p:cNvPr id="29697" name="1 Título"/>
           <p:cNvSpPr>
             <a:spLocks noGrp="1"/>
           </p:cNvSpPr>
@@ -17053,7 +17995,7 @@
       </p:sp>
       <p:sp>
         <p:nvSpPr>
-          <p:cNvPr id="28674" name="2 Subtítulo"/>
+          <p:cNvPr id="29698" name="2 Subtítulo"/>
           <p:cNvSpPr>
             <a:spLocks noGrp="1"/>
           </p:cNvSpPr>
@@ -17081,7 +18023,7 @@
       </p:sp>
       <p:sp>
         <p:nvSpPr>
-          <p:cNvPr id="28675" name="3 CuadroTexto"/>
+          <p:cNvPr id="29699" name="3 CuadroTexto"/>
           <p:cNvSpPr txBox="1">
             <a:spLocks noChangeArrowheads="1"/>
           </p:cNvSpPr>
@@ -17166,7 +18108,7 @@
       </p:sp>
       <p:sp>
         <p:nvSpPr>
-          <p:cNvPr id="28676" name="4 CuadroTexto"/>
+          <p:cNvPr id="29700" name="4 CuadroTexto"/>
           <p:cNvSpPr txBox="1">
             <a:spLocks noChangeArrowheads="1"/>
           </p:cNvSpPr>
@@ -17249,7 +18191,7 @@
       </p:grpSpPr>
       <p:sp>
         <p:nvSpPr>
-          <p:cNvPr id="3" name="2 Título"/>
+          <p:cNvPr id="16385" name="2 Título"/>
           <p:cNvSpPr>
             <a:spLocks noGrp="1"/>
           </p:cNvSpPr>
@@ -17264,9 +18206,7 @@
           </a:xfrm>
         </p:spPr>
         <p:txBody>
-          <a:bodyPr>
-            <a:normAutofit/>
-          </a:bodyPr>
+          <a:bodyPr/>
           <a:lstStyle/>
           <a:p>
             <a:pPr eaLnBrk="1" hangingPunct="1"/>
@@ -17286,6 +18226,13 @@
   <p:clrMapOvr>
     <a:masterClrMapping/>
   </p:clrMapOvr>
+  <p:timing>
+    <p:tnLst>
+      <p:par>
+        <p:cTn id="1" dur="indefinite" restart="never" nodeType="tmRoot"/>
+      </p:par>
+    </p:tnLst>
+  </p:timing>
 </p:sld>
 </file>
 
@@ -17306,14 +18253,354 @@
           <a:chExt cx="0" cy="0"/>
         </a:xfrm>
       </p:grpSpPr>
+      <p:graphicFrame>
+        <p:nvGraphicFramePr>
+          <p:cNvPr id="17424" name="Group 16"/>
+          <p:cNvGraphicFramePr>
+            <a:graphicFrameLocks noGrp="1"/>
+          </p:cNvGraphicFramePr>
+          <p:nvPr/>
+        </p:nvGraphicFramePr>
+        <p:xfrm>
+          <a:off x="1692275" y="2708275"/>
+          <a:ext cx="5616575" cy="3600450"/>
+        </p:xfrm>
+        <a:graphic>
+          <a:graphicData uri="http://schemas.openxmlformats.org/drawingml/2006/table">
+            <a:tbl>
+              <a:tblPr/>
+              <a:tblGrid>
+                <a:gridCol w="2663825"/>
+                <a:gridCol w="2952750"/>
+              </a:tblGrid>
+              <a:tr h="3600450">
+                <a:tc>
+                  <a:txBody>
+                    <a:bodyPr/>
+                    <a:lstStyle/>
+                    <a:p>
+                      <a:pPr marL="0" marR="0" lvl="0" indent="0" algn="l" defTabSz="914400" rtl="0" eaLnBrk="1" fontAlgn="base" latinLnBrk="0" hangingPunct="1">
+                        <a:lnSpc>
+                          <a:spcPct val="100000"/>
+                        </a:lnSpc>
+                        <a:spcBef>
+                          <a:spcPct val="0"/>
+                        </a:spcBef>
+                        <a:spcAft>
+                          <a:spcPct val="0"/>
+                        </a:spcAft>
+                        <a:buClrTx/>
+                        <a:buSzTx/>
+                        <a:buFontTx/>
+                        <a:buNone/>
+                        <a:tabLst/>
+                      </a:pPr>
+                      <a:endParaRPr kumimoji="0" lang="es-ES" sz="1800" b="1" i="0" u="none" strike="noStrike" cap="none" normalizeH="0" baseline="0" smtClean="0">
+                        <a:ln>
+                          <a:noFill/>
+                        </a:ln>
+                        <a:solidFill>
+                          <a:schemeClr val="tx1"/>
+                        </a:solidFill>
+                        <a:effectLst/>
+                        <a:latin typeface="Candara" pitchFamily="34" charset="0"/>
+                      </a:endParaRPr>
+                    </a:p>
+                  </a:txBody>
+                  <a:tcPr horzOverflow="overflow">
+                    <a:lnL w="12700" cap="flat" cmpd="sng" algn="ctr">
+                      <a:solidFill>
+                        <a:schemeClr val="accent1"/>
+                      </a:solidFill>
+                      <a:prstDash val="solid"/>
+                      <a:round/>
+                      <a:headEnd type="none" w="med" len="med"/>
+                      <a:tailEnd type="none" w="med" len="med"/>
+                    </a:lnL>
+                    <a:lnR w="12700" cap="flat" cmpd="sng" algn="ctr">
+                      <a:solidFill>
+                        <a:schemeClr val="accent1"/>
+                      </a:solidFill>
+                      <a:prstDash val="solid"/>
+                      <a:round/>
+                      <a:headEnd type="none" w="med" len="med"/>
+                      <a:tailEnd type="none" w="med" len="med"/>
+                    </a:lnR>
+                    <a:lnT w="12700" cap="flat" cmpd="sng" algn="ctr">
+                      <a:solidFill>
+                        <a:schemeClr val="accent1"/>
+                      </a:solidFill>
+                      <a:prstDash val="solid"/>
+                      <a:round/>
+                      <a:headEnd type="none" w="med" len="med"/>
+                      <a:tailEnd type="none" w="med" len="med"/>
+                    </a:lnT>
+                    <a:lnB w="25400" cap="flat" cmpd="sng" algn="ctr">
+                      <a:solidFill>
+                        <a:schemeClr val="accent1"/>
+                      </a:solidFill>
+                      <a:prstDash val="solid"/>
+                      <a:round/>
+                      <a:headEnd type="none" w="med" len="med"/>
+                      <a:tailEnd type="none" w="med" len="med"/>
+                    </a:lnB>
+                    <a:lnTlToBr>
+                      <a:noFill/>
+                    </a:lnTlToBr>
+                    <a:lnBlToTr>
+                      <a:noFill/>
+                    </a:lnBlToTr>
+                    <a:noFill/>
+                  </a:tcPr>
+                </a:tc>
+                <a:tc>
+                  <a:txBody>
+                    <a:bodyPr/>
+                    <a:lstStyle/>
+                    <a:p>
+                      <a:pPr marL="0" marR="0" lvl="0" indent="0" algn="l" defTabSz="914400" rtl="0" eaLnBrk="1" fontAlgn="base" latinLnBrk="0" hangingPunct="1">
+                        <a:lnSpc>
+                          <a:spcPct val="100000"/>
+                        </a:lnSpc>
+                        <a:spcBef>
+                          <a:spcPct val="0"/>
+                        </a:spcBef>
+                        <a:spcAft>
+                          <a:spcPct val="0"/>
+                        </a:spcAft>
+                        <a:buClrTx/>
+                        <a:buSzTx/>
+                        <a:buFontTx/>
+                        <a:buNone/>
+                        <a:tabLst/>
+                      </a:pPr>
+                      <a:endParaRPr kumimoji="0" lang="es-ES" sz="1800" b="1" i="0" u="none" strike="noStrike" cap="none" normalizeH="0" baseline="0" smtClean="0">
+                        <a:ln>
+                          <a:noFill/>
+                        </a:ln>
+                        <a:solidFill>
+                          <a:schemeClr val="tx1"/>
+                        </a:solidFill>
+                        <a:effectLst/>
+                        <a:latin typeface="Candara" pitchFamily="34" charset="0"/>
+                      </a:endParaRPr>
+                    </a:p>
+                  </a:txBody>
+                  <a:tcPr horzOverflow="overflow">
+                    <a:lnL w="12700" cap="flat" cmpd="sng" algn="ctr">
+                      <a:solidFill>
+                        <a:schemeClr val="accent1"/>
+                      </a:solidFill>
+                      <a:prstDash val="solid"/>
+                      <a:round/>
+                      <a:headEnd type="none" w="med" len="med"/>
+                      <a:tailEnd type="none" w="med" len="med"/>
+                    </a:lnL>
+                    <a:lnR w="12700" cap="flat" cmpd="sng" algn="ctr">
+                      <a:solidFill>
+                        <a:schemeClr val="accent1"/>
+                      </a:solidFill>
+                      <a:prstDash val="solid"/>
+                      <a:round/>
+                      <a:headEnd type="none" w="med" len="med"/>
+                      <a:tailEnd type="none" w="med" len="med"/>
+                    </a:lnR>
+                    <a:lnT w="12700" cap="flat" cmpd="sng" algn="ctr">
+                      <a:solidFill>
+                        <a:schemeClr val="accent1"/>
+                      </a:solidFill>
+                      <a:prstDash val="solid"/>
+                      <a:round/>
+                      <a:headEnd type="none" w="med" len="med"/>
+                      <a:tailEnd type="none" w="med" len="med"/>
+                    </a:lnT>
+                    <a:lnB w="25400" cap="flat" cmpd="sng" algn="ctr">
+                      <a:solidFill>
+                        <a:schemeClr val="accent1"/>
+                      </a:solidFill>
+                      <a:prstDash val="solid"/>
+                      <a:round/>
+                      <a:headEnd type="none" w="med" len="med"/>
+                      <a:tailEnd type="none" w="med" len="med"/>
+                    </a:lnB>
+                    <a:lnTlToBr>
+                      <a:noFill/>
+                    </a:lnTlToBr>
+                    <a:lnBlToTr>
+                      <a:noFill/>
+                    </a:lnBlToTr>
+                    <a:noFill/>
+                  </a:tcPr>
+                </a:tc>
+              </a:tr>
+            </a:tbl>
+          </a:graphicData>
+        </a:graphic>
+      </p:graphicFrame>
       <p:sp>
         <p:nvSpPr>
-          <p:cNvPr id="16385" name="2 Título"/>
+          <p:cNvPr id="3" name="2 Título"/>
+          <p:cNvSpPr>
+            <a:spLocks/>
+          </p:cNvSpPr>
+          <p:nvPr/>
+        </p:nvSpPr>
+        <p:spPr bwMode="auto">
+          <a:xfrm>
+            <a:off x="457200" y="338138"/>
+            <a:ext cx="8229600" cy="1252537"/>
+          </a:xfrm>
+          <a:prstGeom prst="rect">
+            <a:avLst/>
+          </a:prstGeom>
+          <a:noFill/>
+          <a:ln w="9525">
+            <a:noFill/>
+            <a:miter lim="800000"/>
+            <a:headEnd/>
+            <a:tailEnd/>
+          </a:ln>
+        </p:spPr>
+        <p:txBody>
+          <a:bodyPr anchor="ctr"/>
+          <a:lstStyle/>
+          <a:p>
+            <a:pPr algn="ctr"/>
+            <a:r>
+              <a:rPr lang="es-PE" sz="4000">
+                <a:solidFill>
+                  <a:srgbClr val="FFFFFF"/>
+                </a:solidFill>
+                <a:latin typeface="Candara" pitchFamily="34" charset="0"/>
+              </a:rPr>
+              <a:t>Modelo de Clases del Análisis</a:t>
+            </a:r>
+            <a:br>
+              <a:rPr lang="es-PE" sz="4000">
+                <a:solidFill>
+                  <a:srgbClr val="FFFFFF"/>
+                </a:solidFill>
+                <a:latin typeface="Candara" pitchFamily="34" charset="0"/>
+              </a:rPr>
+            </a:br>
+            <a:r>
+              <a:rPr lang="es-PE" sz="4000">
+                <a:solidFill>
+                  <a:srgbClr val="FFFFFF"/>
+                </a:solidFill>
+                <a:latin typeface="Candara" pitchFamily="34" charset="0"/>
+              </a:rPr>
+              <a:t>(Contratos de Clientes)</a:t>
+            </a:r>
+          </a:p>
+        </p:txBody>
+      </p:sp>
+      <p:pic>
+        <p:nvPicPr>
+          <p:cNvPr id="17422" name="Picture 14"/>
+          <p:cNvPicPr>
+            <a:picLocks noChangeAspect="1" noChangeArrowheads="1"/>
+          </p:cNvPicPr>
+          <p:nvPr/>
+        </p:nvPicPr>
+        <p:blipFill>
+          <a:blip r:embed="rId2"/>
+          <a:srcRect/>
+          <a:stretch>
+            <a:fillRect/>
+          </a:stretch>
+        </p:blipFill>
+        <p:spPr bwMode="auto">
+          <a:xfrm>
+            <a:off x="1116013" y="3933825"/>
+            <a:ext cx="3776662" cy="1900238"/>
+          </a:xfrm>
+          <a:prstGeom prst="rect">
+            <a:avLst/>
+          </a:prstGeom>
+          <a:noFill/>
+          <a:ln w="9525">
+            <a:noFill/>
+            <a:miter lim="800000"/>
+            <a:headEnd/>
+            <a:tailEnd/>
+          </a:ln>
+          <a:effectLst/>
+        </p:spPr>
+      </p:pic>
+      <p:pic>
+        <p:nvPicPr>
+          <p:cNvPr id="17423" name="Picture 15"/>
+          <p:cNvPicPr>
+            <a:picLocks noChangeAspect="1" noChangeArrowheads="1"/>
+          </p:cNvPicPr>
+          <p:nvPr/>
+        </p:nvPicPr>
+        <p:blipFill>
+          <a:blip r:embed="rId3"/>
+          <a:srcRect/>
+          <a:stretch>
+            <a:fillRect/>
+          </a:stretch>
+        </p:blipFill>
+        <p:spPr bwMode="auto">
+          <a:xfrm>
+            <a:off x="3924300" y="3933825"/>
+            <a:ext cx="3754438" cy="1900238"/>
+          </a:xfrm>
+          <a:prstGeom prst="rect">
+            <a:avLst/>
+          </a:prstGeom>
+          <a:noFill/>
+          <a:ln w="9525">
+            <a:noFill/>
+            <a:miter lim="800000"/>
+            <a:headEnd/>
+            <a:tailEnd/>
+          </a:ln>
+          <a:effectLst/>
+        </p:spPr>
+      </p:pic>
+    </p:spTree>
+  </p:cSld>
+  <p:clrMapOvr>
+    <a:masterClrMapping/>
+  </p:clrMapOvr>
+  <p:timing>
+    <p:tnLst>
+      <p:par>
+        <p:cTn id="1" dur="indefinite" restart="never" nodeType="tmRoot"/>
+      </p:par>
+    </p:tnLst>
+  </p:timing>
+</p:sld>
+</file>
+
+<file path=ppt/slides/slide4.xml><?xml version="1.0" encoding="utf-8"?>
+<p:sld xmlns:a="http://schemas.openxmlformats.org/drawingml/2006/main" xmlns:r="http://schemas.openxmlformats.org/officeDocument/2006/relationships" xmlns:p="http://schemas.openxmlformats.org/presentationml/2006/main">
+  <p:cSld>
+    <p:spTree>
+      <p:nvGrpSpPr>
+        <p:cNvPr id="1" name=""/>
+        <p:cNvGrpSpPr/>
+        <p:nvPr/>
+      </p:nvGrpSpPr>
+      <p:grpSpPr>
+        <a:xfrm>
+          <a:off x="0" y="0"/>
+          <a:ext cx="0" cy="0"/>
+          <a:chOff x="0" y="0"/>
+          <a:chExt cx="0" cy="0"/>
+        </a:xfrm>
+      </p:grpSpPr>
+      <p:sp>
+        <p:nvSpPr>
+          <p:cNvPr id="39938" name="2 Título"/>
           <p:cNvSpPr>
             <a:spLocks noGrp="1"/>
           </p:cNvSpPr>
           <p:nvPr>
-            <p:ph type="title"/>
+            <p:ph type="title" idx="4294967295"/>
           </p:nvPr>
         </p:nvSpPr>
         <p:spPr>
@@ -17343,10 +18630,17 @@
   <p:clrMapOvr>
     <a:masterClrMapping/>
   </p:clrMapOvr>
+  <p:timing>
+    <p:tnLst>
+      <p:par>
+        <p:cTn id="1" dur="indefinite" restart="never" nodeType="tmRoot"/>
+      </p:par>
+    </p:tnLst>
+  </p:timing>
 </p:sld>
 </file>
 
-<file path=ppt/slides/slide4.xml><?xml version="1.0" encoding="utf-8"?>
+<file path=ppt/slides/slide5.xml><?xml version="1.0" encoding="utf-8"?>
 <p:sld xmlns:a="http://schemas.openxmlformats.org/drawingml/2006/main" xmlns:r="http://schemas.openxmlformats.org/officeDocument/2006/relationships" xmlns:p="http://schemas.openxmlformats.org/presentationml/2006/main">
   <p:cSld>
     <p:spTree>
@@ -18094,7 +19388,7 @@
       </p:graphicFrame>
       <p:pic>
         <p:nvPicPr>
-          <p:cNvPr id="17424" name="Picture 3"/>
+          <p:cNvPr id="18448" name="Picture 3"/>
           <p:cNvPicPr>
             <a:picLocks noChangeAspect="1" noChangeArrowheads="1"/>
           </p:cNvPicPr>
@@ -18126,7 +19420,7 @@
       </p:pic>
       <p:pic>
         <p:nvPicPr>
-          <p:cNvPr id="17425" name="Picture 4"/>
+          <p:cNvPr id="18449" name="Picture 4"/>
           <p:cNvPicPr>
             <a:picLocks noChangeAspect="1" noChangeArrowheads="1"/>
           </p:cNvPicPr>
@@ -18158,7 +19452,7 @@
       </p:pic>
       <p:pic>
         <p:nvPicPr>
-          <p:cNvPr id="17426" name="Picture 5"/>
+          <p:cNvPr id="18450" name="Picture 5"/>
           <p:cNvPicPr>
             <a:picLocks noChangeAspect="1" noChangeArrowheads="1"/>
           </p:cNvPicPr>
@@ -18203,7 +19497,7 @@
 </p:sld>
 </file>
 
-<file path=ppt/slides/slide5.xml><?xml version="1.0" encoding="utf-8"?>
+<file path=ppt/slides/slide6.xml><?xml version="1.0" encoding="utf-8"?>
 <p:sld xmlns:a="http://schemas.openxmlformats.org/drawingml/2006/main" xmlns:r="http://schemas.openxmlformats.org/officeDocument/2006/relationships" xmlns:p="http://schemas.openxmlformats.org/presentationml/2006/main">
   <p:cSld>
     <p:spTree>
@@ -18836,7 +20130,7 @@
       </p:graphicFrame>
       <p:pic>
         <p:nvPicPr>
-          <p:cNvPr id="19472" name="Picture 2"/>
+          <p:cNvPr id="20496" name="Picture 2"/>
           <p:cNvPicPr>
             <a:picLocks noChangeAspect="1" noChangeArrowheads="1"/>
           </p:cNvPicPr>
@@ -18868,7 +20162,7 @@
       </p:pic>
       <p:pic>
         <p:nvPicPr>
-          <p:cNvPr id="19473" name="Picture 3"/>
+          <p:cNvPr id="20497" name="Picture 3"/>
           <p:cNvPicPr>
             <a:picLocks noChangeAspect="1" noChangeArrowheads="1"/>
           </p:cNvPicPr>
@@ -18900,7 +20194,7 @@
       </p:pic>
       <p:pic>
         <p:nvPicPr>
-          <p:cNvPr id="19474" name="Picture 4"/>
+          <p:cNvPr id="20498" name="Picture 4"/>
           <p:cNvPicPr>
             <a:picLocks noChangeAspect="1" noChangeArrowheads="1"/>
           </p:cNvPicPr>
@@ -18945,7 +20239,7 @@
 </p:sld>
 </file>
 
-<file path=ppt/slides/slide6.xml><?xml version="1.0" encoding="utf-8"?>
+<file path=ppt/slides/slide7.xml><?xml version="1.0" encoding="utf-8"?>
 <p:sld xmlns:a="http://schemas.openxmlformats.org/drawingml/2006/main" xmlns:r="http://schemas.openxmlformats.org/officeDocument/2006/relationships" xmlns:p="http://schemas.openxmlformats.org/presentationml/2006/main">
   <p:cSld>
     <p:spTree>
@@ -18964,7 +20258,7 @@
       </p:grpSpPr>
       <p:sp>
         <p:nvSpPr>
-          <p:cNvPr id="21505" name="2 Título"/>
+          <p:cNvPr id="22529" name="2 Título"/>
           <p:cNvSpPr>
             <a:spLocks noGrp="1"/>
           </p:cNvSpPr>
@@ -18999,10 +20293,17 @@
   <p:clrMapOvr>
     <a:masterClrMapping/>
   </p:clrMapOvr>
+  <p:timing>
+    <p:tnLst>
+      <p:par>
+        <p:cTn id="1" dur="indefinite" restart="never" nodeType="tmRoot"/>
+      </p:par>
+    </p:tnLst>
+  </p:timing>
 </p:sld>
 </file>
 
-<file path=ppt/slides/slide7.xml><?xml version="1.0" encoding="utf-8"?>
+<file path=ppt/slides/slide8.xml><?xml version="1.0" encoding="utf-8"?>
 <p:sld xmlns:a="http://schemas.openxmlformats.org/drawingml/2006/main" xmlns:r="http://schemas.openxmlformats.org/officeDocument/2006/relationships" xmlns:p="http://schemas.openxmlformats.org/presentationml/2006/main">
   <p:cSld>
     <p:spTree>
@@ -19788,7 +21089,7 @@
       </p:graphicFrame>
       <p:pic>
         <p:nvPicPr>
-          <p:cNvPr id="22547" name="Picture 2"/>
+          <p:cNvPr id="23571" name="Picture 2"/>
           <p:cNvPicPr>
             <a:picLocks noChangeAspect="1" noChangeArrowheads="1"/>
           </p:cNvPicPr>
@@ -19820,7 +21121,7 @@
       </p:pic>
       <p:pic>
         <p:nvPicPr>
-          <p:cNvPr id="22548" name="Picture 4"/>
+          <p:cNvPr id="23572" name="Picture 4"/>
           <p:cNvPicPr>
             <a:picLocks noChangeAspect="1" noChangeArrowheads="1"/>
           </p:cNvPicPr>
@@ -19852,7 +21153,7 @@
       </p:pic>
       <p:pic>
         <p:nvPicPr>
-          <p:cNvPr id="22549" name="Picture 5"/>
+          <p:cNvPr id="23573" name="Picture 5"/>
           <p:cNvPicPr>
             <a:picLocks noChangeAspect="1" noChangeArrowheads="1"/>
           </p:cNvPicPr>
@@ -19884,7 +21185,7 @@
       </p:pic>
       <p:pic>
         <p:nvPicPr>
-          <p:cNvPr id="22550" name="Picture 7"/>
+          <p:cNvPr id="23574" name="Picture 7"/>
           <p:cNvPicPr>
             <a:picLocks noChangeAspect="1" noChangeArrowheads="1"/>
           </p:cNvPicPr>
@@ -19929,7 +21230,7 @@
 </p:sld>
 </file>
 
-<file path=ppt/slides/slide8.xml><?xml version="1.0" encoding="utf-8"?>
+<file path=ppt/slides/slide9.xml><?xml version="1.0" encoding="utf-8"?>
 <p:sld xmlns:a="http://schemas.openxmlformats.org/drawingml/2006/main" xmlns:r="http://schemas.openxmlformats.org/officeDocument/2006/relationships" xmlns:p="http://schemas.openxmlformats.org/presentationml/2006/main">
   <p:cSld>
     <p:spTree>
@@ -20743,7 +22044,7 @@
       </p:graphicFrame>
       <p:pic>
         <p:nvPicPr>
-          <p:cNvPr id="23571" name="Picture 3"/>
+          <p:cNvPr id="24595" name="Picture 3"/>
           <p:cNvPicPr>
             <a:picLocks noChangeAspect="1" noChangeArrowheads="1"/>
           </p:cNvPicPr>
@@ -20775,7 +22076,7 @@
       </p:pic>
       <p:pic>
         <p:nvPicPr>
-          <p:cNvPr id="23572" name="Picture 4"/>
+          <p:cNvPr id="24596" name="Picture 4"/>
           <p:cNvPicPr>
             <a:picLocks noChangeAspect="1" noChangeArrowheads="1"/>
           </p:cNvPicPr>
@@ -20807,7 +22108,7 @@
       </p:pic>
       <p:pic>
         <p:nvPicPr>
-          <p:cNvPr id="23573" name="Picture 24"/>
+          <p:cNvPr id="24597" name="Picture 24"/>
           <p:cNvPicPr>
             <a:picLocks noChangeAspect="1" noChangeArrowheads="1"/>
           </p:cNvPicPr>
@@ -20839,7 +22140,7 @@
       </p:pic>
       <p:pic>
         <p:nvPicPr>
-          <p:cNvPr id="23574" name="Picture 25"/>
+          <p:cNvPr id="24598" name="Picture 25"/>
           <p:cNvPicPr>
             <a:picLocks noChangeAspect="1" noChangeArrowheads="1"/>
           </p:cNvPicPr>
@@ -20856,933 +22157,6 @@
           <a:xfrm>
             <a:off x="468313" y="3429000"/>
             <a:ext cx="2122487" cy="965200"/>
-          </a:xfrm>
-          <a:prstGeom prst="rect">
-            <a:avLst/>
-          </a:prstGeom>
-          <a:noFill/>
-          <a:ln w="9525">
-            <a:noFill/>
-            <a:miter lim="800000"/>
-            <a:headEnd/>
-            <a:tailEnd/>
-          </a:ln>
-        </p:spPr>
-      </p:pic>
-    </p:spTree>
-  </p:cSld>
-  <p:clrMapOvr>
-    <a:masterClrMapping/>
-  </p:clrMapOvr>
-  <p:timing>
-    <p:tnLst>
-      <p:par>
-        <p:cTn id="1" dur="indefinite" restart="never" nodeType="tmRoot"/>
-      </p:par>
-    </p:tnLst>
-  </p:timing>
-</p:sld>
-</file>
-
-<file path=ppt/slides/slide9.xml><?xml version="1.0" encoding="utf-8"?>
-<p:sld xmlns:a="http://schemas.openxmlformats.org/drawingml/2006/main" xmlns:r="http://schemas.openxmlformats.org/officeDocument/2006/relationships" xmlns:p="http://schemas.openxmlformats.org/presentationml/2006/main">
-  <p:cSld>
-    <p:spTree>
-      <p:nvGrpSpPr>
-        <p:cNvPr id="1" name=""/>
-        <p:cNvGrpSpPr/>
-        <p:nvPr/>
-      </p:nvGrpSpPr>
-      <p:grpSpPr>
-        <a:xfrm>
-          <a:off x="0" y="0"/>
-          <a:ext cx="0" cy="0"/>
-          <a:chOff x="0" y="0"/>
-          <a:chExt cx="0" cy="0"/>
-        </a:xfrm>
-      </p:grpSpPr>
-      <p:sp>
-        <p:nvSpPr>
-          <p:cNvPr id="3" name="2 Título"/>
-          <p:cNvSpPr>
-            <a:spLocks noGrp="1"/>
-          </p:cNvSpPr>
-          <p:nvPr>
-            <p:ph type="title"/>
-          </p:nvPr>
-        </p:nvSpPr>
-        <p:spPr/>
-        <p:txBody>
-          <a:bodyPr rtlCol="0">
-            <a:normAutofit fontScale="90000"/>
-          </a:bodyPr>
-          <a:lstStyle/>
-          <a:p>
-            <a:pPr eaLnBrk="1" fontAlgn="auto" hangingPunct="1">
-              <a:spcAft>
-                <a:spcPts val="0"/>
-              </a:spcAft>
-              <a:defRPr/>
-            </a:pPr>
-            <a:r>
-              <a:rPr lang="es-PE" dirty="0"/>
-              <a:t>ESPECIFICACION </a:t>
-            </a:r>
-            <a:r>
-              <a:rPr lang="es-PE" dirty="0" smtClean="0"/>
-              <a:t>DE ENTIDADES DEL NEGOCIO</a:t>
-            </a:r>
-            <a:endParaRPr lang="es-PE" dirty="0"/>
-          </a:p>
-        </p:txBody>
-      </p:sp>
-      <p:graphicFrame>
-        <p:nvGraphicFramePr>
-          <p:cNvPr id="6" name="5 Tabla"/>
-          <p:cNvGraphicFramePr>
-            <a:graphicFrameLocks noGrp="1"/>
-          </p:cNvGraphicFramePr>
-          <p:nvPr/>
-        </p:nvGraphicFramePr>
-        <p:xfrm>
-          <a:off x="323850" y="2349500"/>
-          <a:ext cx="8569325" cy="4175125"/>
-        </p:xfrm>
-        <a:graphic>
-          <a:graphicData uri="http://schemas.openxmlformats.org/drawingml/2006/table">
-            <a:tbl>
-              <a:tblPr/>
-              <a:tblGrid>
-                <a:gridCol w="2427288"/>
-                <a:gridCol w="6142037"/>
-              </a:tblGrid>
-              <a:tr h="1042988">
-                <a:tc>
-                  <a:txBody>
-                    <a:bodyPr/>
-                    <a:lstStyle/>
-                    <a:p>
-                      <a:pPr marL="0" marR="0" lvl="0" indent="0" algn="l" defTabSz="914400" rtl="0" eaLnBrk="1" fontAlgn="base" latinLnBrk="0" hangingPunct="1">
-                        <a:lnSpc>
-                          <a:spcPct val="100000"/>
-                        </a:lnSpc>
-                        <a:spcBef>
-                          <a:spcPct val="0"/>
-                        </a:spcBef>
-                        <a:spcAft>
-                          <a:spcPct val="0"/>
-                        </a:spcAft>
-                        <a:buClrTx/>
-                        <a:buSzTx/>
-                        <a:buFontTx/>
-                        <a:buNone/>
-                        <a:tabLst/>
-                      </a:pPr>
-                      <a:endParaRPr kumimoji="0" lang="es-ES" sz="1800" b="1" i="0" u="none" strike="noStrike" cap="none" normalizeH="0" baseline="0" smtClean="0">
-                        <a:ln>
-                          <a:noFill/>
-                        </a:ln>
-                        <a:solidFill>
-                          <a:schemeClr val="tx1"/>
-                        </a:solidFill>
-                        <a:effectLst/>
-                        <a:latin typeface="Candara" pitchFamily="34" charset="0"/>
-                      </a:endParaRPr>
-                    </a:p>
-                  </a:txBody>
-                  <a:tcPr horzOverflow="overflow">
-                    <a:lnL w="12700" cap="flat" cmpd="sng" algn="ctr">
-                      <a:solidFill>
-                        <a:schemeClr val="accent1"/>
-                      </a:solidFill>
-                      <a:prstDash val="solid"/>
-                      <a:round/>
-                      <a:headEnd type="none" w="med" len="med"/>
-                      <a:tailEnd type="none" w="med" len="med"/>
-                    </a:lnL>
-                    <a:lnR w="12700" cap="flat" cmpd="sng" algn="ctr">
-                      <a:solidFill>
-                        <a:schemeClr val="accent1"/>
-                      </a:solidFill>
-                      <a:prstDash val="solid"/>
-                      <a:round/>
-                      <a:headEnd type="none" w="med" len="med"/>
-                      <a:tailEnd type="none" w="med" len="med"/>
-                    </a:lnR>
-                    <a:lnT w="12700" cap="flat" cmpd="sng" algn="ctr">
-                      <a:solidFill>
-                        <a:schemeClr val="accent1"/>
-                      </a:solidFill>
-                      <a:prstDash val="solid"/>
-                      <a:round/>
-                      <a:headEnd type="none" w="med" len="med"/>
-                      <a:tailEnd type="none" w="med" len="med"/>
-                    </a:lnT>
-                    <a:lnB w="25400" cap="flat" cmpd="sng" algn="ctr">
-                      <a:solidFill>
-                        <a:schemeClr val="accent1"/>
-                      </a:solidFill>
-                      <a:prstDash val="solid"/>
-                      <a:round/>
-                      <a:headEnd type="none" w="med" len="med"/>
-                      <a:tailEnd type="none" w="med" len="med"/>
-                    </a:lnB>
-                    <a:lnTlToBr>
-                      <a:noFill/>
-                    </a:lnTlToBr>
-                    <a:lnBlToTr>
-                      <a:noFill/>
-                    </a:lnBlToTr>
-                    <a:noFill/>
-                  </a:tcPr>
-                </a:tc>
-                <a:tc>
-                  <a:txBody>
-                    <a:bodyPr/>
-                    <a:lstStyle/>
-                    <a:p>
-                      <a:pPr marL="0" marR="0" lvl="0" indent="0" algn="just" defTabSz="914400" rtl="0" eaLnBrk="1" fontAlgn="base" latinLnBrk="0" hangingPunct="1">
-                        <a:lnSpc>
-                          <a:spcPct val="100000"/>
-                        </a:lnSpc>
-                        <a:spcBef>
-                          <a:spcPct val="0"/>
-                        </a:spcBef>
-                        <a:spcAft>
-                          <a:spcPct val="0"/>
-                        </a:spcAft>
-                        <a:buClrTx/>
-                        <a:buSzTx/>
-                        <a:buFontTx/>
-                        <a:buNone/>
-                        <a:tabLst/>
-                      </a:pPr>
-                      <a:r>
-                        <a:rPr kumimoji="0" lang="es-PE" sz="1800" b="0" i="0" u="none" strike="noStrike" cap="none" normalizeH="0" baseline="0" smtClean="0">
-                          <a:ln>
-                            <a:noFill/>
-                          </a:ln>
-                          <a:solidFill>
-                            <a:schemeClr val="tx1"/>
-                          </a:solidFill>
-                          <a:effectLst/>
-                          <a:latin typeface="Candara" pitchFamily="34" charset="0"/>
-                        </a:rPr>
-                        <a:t>Representa el registro de la Base publicada</a:t>
-                      </a:r>
-                      <a:endParaRPr kumimoji="0" lang="es-ES" sz="1800" b="0" i="0" u="none" strike="noStrike" cap="none" normalizeH="0" baseline="0" smtClean="0">
-                        <a:ln>
-                          <a:noFill/>
-                        </a:ln>
-                        <a:solidFill>
-                          <a:schemeClr val="tx1"/>
-                        </a:solidFill>
-                        <a:effectLst/>
-                        <a:latin typeface="Candara" pitchFamily="34" charset="0"/>
-                      </a:endParaRPr>
-                    </a:p>
-                  </a:txBody>
-                  <a:tcPr horzOverflow="overflow">
-                    <a:lnL w="12700" cap="flat" cmpd="sng" algn="ctr">
-                      <a:solidFill>
-                        <a:schemeClr val="accent1"/>
-                      </a:solidFill>
-                      <a:prstDash val="solid"/>
-                      <a:round/>
-                      <a:headEnd type="none" w="med" len="med"/>
-                      <a:tailEnd type="none" w="med" len="med"/>
-                    </a:lnL>
-                    <a:lnR w="12700" cap="flat" cmpd="sng" algn="ctr">
-                      <a:solidFill>
-                        <a:schemeClr val="accent1"/>
-                      </a:solidFill>
-                      <a:prstDash val="solid"/>
-                      <a:round/>
-                      <a:headEnd type="none" w="med" len="med"/>
-                      <a:tailEnd type="none" w="med" len="med"/>
-                    </a:lnR>
-                    <a:lnT w="12700" cap="flat" cmpd="sng" algn="ctr">
-                      <a:solidFill>
-                        <a:schemeClr val="accent1"/>
-                      </a:solidFill>
-                      <a:prstDash val="solid"/>
-                      <a:round/>
-                      <a:headEnd type="none" w="med" len="med"/>
-                      <a:tailEnd type="none" w="med" len="med"/>
-                    </a:lnT>
-                    <a:lnB w="25400" cap="flat" cmpd="sng" algn="ctr">
-                      <a:solidFill>
-                        <a:schemeClr val="accent1"/>
-                      </a:solidFill>
-                      <a:prstDash val="solid"/>
-                      <a:round/>
-                      <a:headEnd type="none" w="med" len="med"/>
-                      <a:tailEnd type="none" w="med" len="med"/>
-                    </a:lnB>
-                    <a:lnTlToBr>
-                      <a:noFill/>
-                    </a:lnTlToBr>
-                    <a:lnBlToTr>
-                      <a:noFill/>
-                    </a:lnBlToTr>
-                    <a:noFill/>
-                  </a:tcPr>
-                </a:tc>
-              </a:tr>
-              <a:tr h="1044575">
-                <a:tc>
-                  <a:txBody>
-                    <a:bodyPr/>
-                    <a:lstStyle/>
-                    <a:p>
-                      <a:pPr marL="0" marR="0" lvl="0" indent="0" algn="l" defTabSz="914400" rtl="0" eaLnBrk="1" fontAlgn="base" latinLnBrk="0" hangingPunct="1">
-                        <a:lnSpc>
-                          <a:spcPct val="100000"/>
-                        </a:lnSpc>
-                        <a:spcBef>
-                          <a:spcPct val="0"/>
-                        </a:spcBef>
-                        <a:spcAft>
-                          <a:spcPct val="0"/>
-                        </a:spcAft>
-                        <a:buClrTx/>
-                        <a:buSzTx/>
-                        <a:buFontTx/>
-                        <a:buNone/>
-                        <a:tabLst/>
-                      </a:pPr>
-                      <a:endParaRPr kumimoji="0" lang="es-ES" sz="1800" b="0" i="0" u="none" strike="noStrike" cap="none" normalizeH="0" baseline="0" smtClean="0">
-                        <a:ln>
-                          <a:noFill/>
-                        </a:ln>
-                        <a:solidFill>
-                          <a:schemeClr val="tx1"/>
-                        </a:solidFill>
-                        <a:effectLst/>
-                        <a:latin typeface="Candara" pitchFamily="34" charset="0"/>
-                      </a:endParaRPr>
-                    </a:p>
-                  </a:txBody>
-                  <a:tcPr horzOverflow="overflow">
-                    <a:lnL w="12700" cap="flat" cmpd="sng" algn="ctr">
-                      <a:solidFill>
-                        <a:schemeClr val="accent1"/>
-                      </a:solidFill>
-                      <a:prstDash val="solid"/>
-                      <a:round/>
-                      <a:headEnd type="none" w="med" len="med"/>
-                      <a:tailEnd type="none" w="med" len="med"/>
-                    </a:lnL>
-                    <a:lnR w="12700" cap="flat" cmpd="sng" algn="ctr">
-                      <a:solidFill>
-                        <a:schemeClr val="accent1"/>
-                      </a:solidFill>
-                      <a:prstDash val="solid"/>
-                      <a:round/>
-                      <a:headEnd type="none" w="med" len="med"/>
-                      <a:tailEnd type="none" w="med" len="med"/>
-                    </a:lnR>
-                    <a:lnT w="25400" cap="flat" cmpd="sng" algn="ctr">
-                      <a:solidFill>
-                        <a:schemeClr val="accent1"/>
-                      </a:solidFill>
-                      <a:prstDash val="solid"/>
-                      <a:round/>
-                      <a:headEnd type="none" w="med" len="med"/>
-                      <a:tailEnd type="none" w="med" len="med"/>
-                    </a:lnT>
-                    <a:lnB w="12700" cap="flat" cmpd="sng" algn="ctr">
-                      <a:solidFill>
-                        <a:schemeClr val="accent1"/>
-                      </a:solidFill>
-                      <a:prstDash val="solid"/>
-                      <a:round/>
-                      <a:headEnd type="none" w="med" len="med"/>
-                      <a:tailEnd type="none" w="med" len="med"/>
-                    </a:lnB>
-                    <a:lnTlToBr>
-                      <a:noFill/>
-                    </a:lnTlToBr>
-                    <a:lnBlToTr>
-                      <a:noFill/>
-                    </a:lnBlToTr>
-                    <a:solidFill>
-                      <a:schemeClr val="accent1">
-                        <a:alpha val="20000"/>
-                      </a:schemeClr>
-                    </a:solidFill>
-                  </a:tcPr>
-                </a:tc>
-                <a:tc>
-                  <a:txBody>
-                    <a:bodyPr/>
-                    <a:lstStyle/>
-                    <a:p>
-                      <a:pPr marL="0" marR="0" lvl="0" indent="0" algn="just" defTabSz="914400" rtl="0" eaLnBrk="1" fontAlgn="base" latinLnBrk="0" hangingPunct="1">
-                        <a:lnSpc>
-                          <a:spcPct val="100000"/>
-                        </a:lnSpc>
-                        <a:spcBef>
-                          <a:spcPct val="0"/>
-                        </a:spcBef>
-                        <a:spcAft>
-                          <a:spcPct val="0"/>
-                        </a:spcAft>
-                        <a:buClrTx/>
-                        <a:buSzTx/>
-                        <a:buFontTx/>
-                        <a:buNone/>
-                        <a:tabLst/>
-                      </a:pPr>
-                      <a:r>
-                        <a:rPr kumimoji="0" lang="es-PE" sz="1800" b="0" i="0" u="none" strike="noStrike" cap="none" normalizeH="0" baseline="0" smtClean="0">
-                          <a:ln>
-                            <a:noFill/>
-                          </a:ln>
-                          <a:solidFill>
-                            <a:schemeClr val="tx1"/>
-                          </a:solidFill>
-                          <a:effectLst/>
-                          <a:latin typeface="Candara" pitchFamily="34" charset="0"/>
-                        </a:rPr>
-                        <a:t>Representa el registro del Informe de Proyecto</a:t>
-                      </a:r>
-                      <a:endParaRPr kumimoji="0" lang="es-ES" sz="1800" b="0" i="0" u="none" strike="noStrike" cap="none" normalizeH="0" baseline="0" smtClean="0">
-                        <a:ln>
-                          <a:noFill/>
-                        </a:ln>
-                        <a:solidFill>
-                          <a:schemeClr val="tx1"/>
-                        </a:solidFill>
-                        <a:effectLst/>
-                        <a:latin typeface="Candara" pitchFamily="34" charset="0"/>
-                      </a:endParaRPr>
-                    </a:p>
-                  </a:txBody>
-                  <a:tcPr horzOverflow="overflow">
-                    <a:lnL w="12700" cap="flat" cmpd="sng" algn="ctr">
-                      <a:solidFill>
-                        <a:schemeClr val="accent1"/>
-                      </a:solidFill>
-                      <a:prstDash val="solid"/>
-                      <a:round/>
-                      <a:headEnd type="none" w="med" len="med"/>
-                      <a:tailEnd type="none" w="med" len="med"/>
-                    </a:lnL>
-                    <a:lnR w="12700" cap="flat" cmpd="sng" algn="ctr">
-                      <a:solidFill>
-                        <a:schemeClr val="accent1"/>
-                      </a:solidFill>
-                      <a:prstDash val="solid"/>
-                      <a:round/>
-                      <a:headEnd type="none" w="med" len="med"/>
-                      <a:tailEnd type="none" w="med" len="med"/>
-                    </a:lnR>
-                    <a:lnT w="25400" cap="flat" cmpd="sng" algn="ctr">
-                      <a:solidFill>
-                        <a:schemeClr val="accent1"/>
-                      </a:solidFill>
-                      <a:prstDash val="solid"/>
-                      <a:round/>
-                      <a:headEnd type="none" w="med" len="med"/>
-                      <a:tailEnd type="none" w="med" len="med"/>
-                    </a:lnT>
-                    <a:lnB w="12700" cap="flat" cmpd="sng" algn="ctr">
-                      <a:solidFill>
-                        <a:schemeClr val="accent1"/>
-                      </a:solidFill>
-                      <a:prstDash val="solid"/>
-                      <a:round/>
-                      <a:headEnd type="none" w="med" len="med"/>
-                      <a:tailEnd type="none" w="med" len="med"/>
-                    </a:lnB>
-                    <a:lnTlToBr>
-                      <a:noFill/>
-                    </a:lnTlToBr>
-                    <a:lnBlToTr>
-                      <a:noFill/>
-                    </a:lnBlToTr>
-                    <a:solidFill>
-                      <a:schemeClr val="accent1">
-                        <a:alpha val="20000"/>
-                      </a:schemeClr>
-                    </a:solidFill>
-                  </a:tcPr>
-                </a:tc>
-              </a:tr>
-              <a:tr h="1042988">
-                <a:tc>
-                  <a:txBody>
-                    <a:bodyPr/>
-                    <a:lstStyle/>
-                    <a:p>
-                      <a:pPr marL="0" marR="0" lvl="0" indent="0" algn="l" defTabSz="914400" rtl="0" eaLnBrk="1" fontAlgn="base" latinLnBrk="0" hangingPunct="1">
-                        <a:lnSpc>
-                          <a:spcPct val="100000"/>
-                        </a:lnSpc>
-                        <a:spcBef>
-                          <a:spcPct val="0"/>
-                        </a:spcBef>
-                        <a:spcAft>
-                          <a:spcPct val="0"/>
-                        </a:spcAft>
-                        <a:buClrTx/>
-                        <a:buSzTx/>
-                        <a:buFontTx/>
-                        <a:buNone/>
-                        <a:tabLst/>
-                      </a:pPr>
-                      <a:endParaRPr kumimoji="0" lang="es-ES" sz="1800" b="0" i="0" u="none" strike="noStrike" cap="none" normalizeH="0" baseline="0" smtClean="0">
-                        <a:ln>
-                          <a:noFill/>
-                        </a:ln>
-                        <a:solidFill>
-                          <a:schemeClr val="tx1"/>
-                        </a:solidFill>
-                        <a:effectLst/>
-                        <a:latin typeface="Candara" pitchFamily="34" charset="0"/>
-                      </a:endParaRPr>
-                    </a:p>
-                  </a:txBody>
-                  <a:tcPr horzOverflow="overflow">
-                    <a:lnL w="12700" cap="flat" cmpd="sng" algn="ctr">
-                      <a:solidFill>
-                        <a:schemeClr val="accent1"/>
-                      </a:solidFill>
-                      <a:prstDash val="solid"/>
-                      <a:round/>
-                      <a:headEnd type="none" w="med" len="med"/>
-                      <a:tailEnd type="none" w="med" len="med"/>
-                    </a:lnL>
-                    <a:lnR w="12700" cap="flat" cmpd="sng" algn="ctr">
-                      <a:solidFill>
-                        <a:schemeClr val="accent1"/>
-                      </a:solidFill>
-                      <a:prstDash val="solid"/>
-                      <a:round/>
-                      <a:headEnd type="none" w="med" len="med"/>
-                      <a:tailEnd type="none" w="med" len="med"/>
-                    </a:lnR>
-                    <a:lnT w="12700" cap="flat" cmpd="sng" algn="ctr">
-                      <a:solidFill>
-                        <a:schemeClr val="accent1"/>
-                      </a:solidFill>
-                      <a:prstDash val="solid"/>
-                      <a:round/>
-                      <a:headEnd type="none" w="med" len="med"/>
-                      <a:tailEnd type="none" w="med" len="med"/>
-                    </a:lnT>
-                    <a:lnB w="12700" cap="flat" cmpd="sng" algn="ctr">
-                      <a:solidFill>
-                        <a:schemeClr val="accent1"/>
-                      </a:solidFill>
-                      <a:prstDash val="solid"/>
-                      <a:round/>
-                      <a:headEnd type="none" w="med" len="med"/>
-                      <a:tailEnd type="none" w="med" len="med"/>
-                    </a:lnB>
-                    <a:lnTlToBr>
-                      <a:noFill/>
-                    </a:lnTlToBr>
-                    <a:lnBlToTr>
-                      <a:noFill/>
-                    </a:lnBlToTr>
-                    <a:noFill/>
-                  </a:tcPr>
-                </a:tc>
-                <a:tc>
-                  <a:txBody>
-                    <a:bodyPr/>
-                    <a:lstStyle/>
-                    <a:p>
-                      <a:pPr marL="0" marR="0" lvl="0" indent="0" algn="just" defTabSz="914400" rtl="0" eaLnBrk="1" fontAlgn="base" latinLnBrk="0" hangingPunct="1">
-                        <a:lnSpc>
-                          <a:spcPct val="100000"/>
-                        </a:lnSpc>
-                        <a:spcBef>
-                          <a:spcPct val="0"/>
-                        </a:spcBef>
-                        <a:spcAft>
-                          <a:spcPct val="0"/>
-                        </a:spcAft>
-                        <a:buClrTx/>
-                        <a:buSzTx/>
-                        <a:buFontTx/>
-                        <a:buNone/>
-                        <a:tabLst/>
-                      </a:pPr>
-                      <a:r>
-                        <a:rPr kumimoji="0" lang="es-PE" sz="1800" b="0" i="0" u="none" strike="noStrike" cap="none" normalizeH="0" baseline="0" smtClean="0">
-                          <a:ln>
-                            <a:noFill/>
-                          </a:ln>
-                          <a:solidFill>
-                            <a:schemeClr val="tx1"/>
-                          </a:solidFill>
-                          <a:effectLst/>
-                          <a:latin typeface="Candara" pitchFamily="34" charset="0"/>
-                        </a:rPr>
-                        <a:t>Representa el registro de Acta de Conformidad</a:t>
-                      </a:r>
-                      <a:endParaRPr kumimoji="0" lang="es-ES" sz="1800" b="0" i="0" u="none" strike="noStrike" cap="none" normalizeH="0" baseline="0" smtClean="0">
-                        <a:ln>
-                          <a:noFill/>
-                        </a:ln>
-                        <a:solidFill>
-                          <a:schemeClr val="tx1"/>
-                        </a:solidFill>
-                        <a:effectLst/>
-                        <a:latin typeface="Candara" pitchFamily="34" charset="0"/>
-                      </a:endParaRPr>
-                    </a:p>
-                  </a:txBody>
-                  <a:tcPr horzOverflow="overflow">
-                    <a:lnL w="12700" cap="flat" cmpd="sng" algn="ctr">
-                      <a:solidFill>
-                        <a:schemeClr val="accent1"/>
-                      </a:solidFill>
-                      <a:prstDash val="solid"/>
-                      <a:round/>
-                      <a:headEnd type="none" w="med" len="med"/>
-                      <a:tailEnd type="none" w="med" len="med"/>
-                    </a:lnL>
-                    <a:lnR w="12700" cap="flat" cmpd="sng" algn="ctr">
-                      <a:solidFill>
-                        <a:schemeClr val="accent1"/>
-                      </a:solidFill>
-                      <a:prstDash val="solid"/>
-                      <a:round/>
-                      <a:headEnd type="none" w="med" len="med"/>
-                      <a:tailEnd type="none" w="med" len="med"/>
-                    </a:lnR>
-                    <a:lnT w="12700" cap="flat" cmpd="sng" algn="ctr">
-                      <a:solidFill>
-                        <a:schemeClr val="accent1"/>
-                      </a:solidFill>
-                      <a:prstDash val="solid"/>
-                      <a:round/>
-                      <a:headEnd type="none" w="med" len="med"/>
-                      <a:tailEnd type="none" w="med" len="med"/>
-                    </a:lnT>
-                    <a:lnB w="12700" cap="flat" cmpd="sng" algn="ctr">
-                      <a:solidFill>
-                        <a:schemeClr val="accent1"/>
-                      </a:solidFill>
-                      <a:prstDash val="solid"/>
-                      <a:round/>
-                      <a:headEnd type="none" w="med" len="med"/>
-                      <a:tailEnd type="none" w="med" len="med"/>
-                    </a:lnB>
-                    <a:lnTlToBr>
-                      <a:noFill/>
-                    </a:lnTlToBr>
-                    <a:lnBlToTr>
-                      <a:noFill/>
-                    </a:lnBlToTr>
-                    <a:noFill/>
-                  </a:tcPr>
-                </a:tc>
-              </a:tr>
-              <a:tr h="1044575">
-                <a:tc>
-                  <a:txBody>
-                    <a:bodyPr/>
-                    <a:lstStyle/>
-                    <a:p>
-                      <a:pPr marL="0" marR="0" lvl="0" indent="0" algn="l" defTabSz="914400" rtl="0" eaLnBrk="1" fontAlgn="base" latinLnBrk="0" hangingPunct="1">
-                        <a:lnSpc>
-                          <a:spcPct val="100000"/>
-                        </a:lnSpc>
-                        <a:spcBef>
-                          <a:spcPct val="0"/>
-                        </a:spcBef>
-                        <a:spcAft>
-                          <a:spcPct val="0"/>
-                        </a:spcAft>
-                        <a:buClrTx/>
-                        <a:buSzTx/>
-                        <a:buFontTx/>
-                        <a:buNone/>
-                        <a:tabLst/>
-                      </a:pPr>
-                      <a:endParaRPr kumimoji="0" lang="es-ES" sz="1800" b="0" i="0" u="none" strike="noStrike" cap="none" normalizeH="0" baseline="0" smtClean="0">
-                        <a:ln>
-                          <a:noFill/>
-                        </a:ln>
-                        <a:solidFill>
-                          <a:schemeClr val="tx1"/>
-                        </a:solidFill>
-                        <a:effectLst/>
-                        <a:latin typeface="Candara" pitchFamily="34" charset="0"/>
-                      </a:endParaRPr>
-                    </a:p>
-                  </a:txBody>
-                  <a:tcPr horzOverflow="overflow">
-                    <a:lnL w="12700" cap="flat" cmpd="sng" algn="ctr">
-                      <a:solidFill>
-                        <a:schemeClr val="accent1"/>
-                      </a:solidFill>
-                      <a:prstDash val="solid"/>
-                      <a:round/>
-                      <a:headEnd type="none" w="med" len="med"/>
-                      <a:tailEnd type="none" w="med" len="med"/>
-                    </a:lnL>
-                    <a:lnR w="12700" cap="flat" cmpd="sng" algn="ctr">
-                      <a:solidFill>
-                        <a:schemeClr val="accent1"/>
-                      </a:solidFill>
-                      <a:prstDash val="solid"/>
-                      <a:round/>
-                      <a:headEnd type="none" w="med" len="med"/>
-                      <a:tailEnd type="none" w="med" len="med"/>
-                    </a:lnR>
-                    <a:lnT w="12700" cap="flat" cmpd="sng" algn="ctr">
-                      <a:solidFill>
-                        <a:schemeClr val="accent1"/>
-                      </a:solidFill>
-                      <a:prstDash val="solid"/>
-                      <a:round/>
-                      <a:headEnd type="none" w="med" len="med"/>
-                      <a:tailEnd type="none" w="med" len="med"/>
-                    </a:lnT>
-                    <a:lnB w="12700" cap="flat" cmpd="sng" algn="ctr">
-                      <a:solidFill>
-                        <a:schemeClr val="accent1"/>
-                      </a:solidFill>
-                      <a:prstDash val="solid"/>
-                      <a:round/>
-                      <a:headEnd type="none" w="med" len="med"/>
-                      <a:tailEnd type="none" w="med" len="med"/>
-                    </a:lnB>
-                    <a:lnTlToBr>
-                      <a:noFill/>
-                    </a:lnTlToBr>
-                    <a:lnBlToTr>
-                      <a:noFill/>
-                    </a:lnBlToTr>
-                    <a:solidFill>
-                      <a:schemeClr val="accent1">
-                        <a:alpha val="20000"/>
-                      </a:schemeClr>
-                    </a:solidFill>
-                  </a:tcPr>
-                </a:tc>
-                <a:tc>
-                  <a:txBody>
-                    <a:bodyPr/>
-                    <a:lstStyle/>
-                    <a:p>
-                      <a:pPr marL="0" marR="0" lvl="0" indent="0" algn="just" defTabSz="914400" rtl="0" eaLnBrk="1" fontAlgn="base" latinLnBrk="0" hangingPunct="1">
-                        <a:lnSpc>
-                          <a:spcPct val="100000"/>
-                        </a:lnSpc>
-                        <a:spcBef>
-                          <a:spcPct val="0"/>
-                        </a:spcBef>
-                        <a:spcAft>
-                          <a:spcPct val="0"/>
-                        </a:spcAft>
-                        <a:buClrTx/>
-                        <a:buSzTx/>
-                        <a:buFontTx/>
-                        <a:buNone/>
-                        <a:tabLst/>
-                      </a:pPr>
-                      <a:r>
-                        <a:rPr kumimoji="0" lang="es-PE" sz="1800" b="0" i="0" u="none" strike="noStrike" cap="none" normalizeH="0" baseline="0" smtClean="0">
-                          <a:ln>
-                            <a:noFill/>
-                          </a:ln>
-                          <a:solidFill>
-                            <a:schemeClr val="tx1"/>
-                          </a:solidFill>
-                          <a:effectLst/>
-                          <a:latin typeface="Candara" pitchFamily="34" charset="0"/>
-                        </a:rPr>
-                        <a:t>Representa el registro de la Propuesta Técnica</a:t>
-                      </a:r>
-                      <a:endParaRPr kumimoji="0" lang="es-ES" sz="1800" b="0" i="0" u="none" strike="noStrike" cap="none" normalizeH="0" baseline="0" smtClean="0">
-                        <a:ln>
-                          <a:noFill/>
-                        </a:ln>
-                        <a:solidFill>
-                          <a:schemeClr val="tx1"/>
-                        </a:solidFill>
-                        <a:effectLst/>
-                        <a:latin typeface="Candara" pitchFamily="34" charset="0"/>
-                      </a:endParaRPr>
-                    </a:p>
-                  </a:txBody>
-                  <a:tcPr horzOverflow="overflow">
-                    <a:lnL w="12700" cap="flat" cmpd="sng" algn="ctr">
-                      <a:solidFill>
-                        <a:schemeClr val="accent1"/>
-                      </a:solidFill>
-                      <a:prstDash val="solid"/>
-                      <a:round/>
-                      <a:headEnd type="none" w="med" len="med"/>
-                      <a:tailEnd type="none" w="med" len="med"/>
-                    </a:lnL>
-                    <a:lnR w="12700" cap="flat" cmpd="sng" algn="ctr">
-                      <a:solidFill>
-                        <a:schemeClr val="accent1"/>
-                      </a:solidFill>
-                      <a:prstDash val="solid"/>
-                      <a:round/>
-                      <a:headEnd type="none" w="med" len="med"/>
-                      <a:tailEnd type="none" w="med" len="med"/>
-                    </a:lnR>
-                    <a:lnT w="12700" cap="flat" cmpd="sng" algn="ctr">
-                      <a:solidFill>
-                        <a:schemeClr val="accent1"/>
-                      </a:solidFill>
-                      <a:prstDash val="solid"/>
-                      <a:round/>
-                      <a:headEnd type="none" w="med" len="med"/>
-                      <a:tailEnd type="none" w="med" len="med"/>
-                    </a:lnT>
-                    <a:lnB w="12700" cap="flat" cmpd="sng" algn="ctr">
-                      <a:solidFill>
-                        <a:schemeClr val="accent1"/>
-                      </a:solidFill>
-                      <a:prstDash val="solid"/>
-                      <a:round/>
-                      <a:headEnd type="none" w="med" len="med"/>
-                      <a:tailEnd type="none" w="med" len="med"/>
-                    </a:lnB>
-                    <a:lnTlToBr>
-                      <a:noFill/>
-                    </a:lnTlToBr>
-                    <a:lnBlToTr>
-                      <a:noFill/>
-                    </a:lnBlToTr>
-                    <a:solidFill>
-                      <a:schemeClr val="accent1">
-                        <a:alpha val="20000"/>
-                      </a:schemeClr>
-                    </a:solidFill>
-                  </a:tcPr>
-                </a:tc>
-              </a:tr>
-            </a:tbl>
-          </a:graphicData>
-        </a:graphic>
-      </p:graphicFrame>
-      <p:pic>
-        <p:nvPicPr>
-          <p:cNvPr id="24595" name="Picture 2"/>
-          <p:cNvPicPr>
-            <a:picLocks noChangeAspect="1" noChangeArrowheads="1"/>
-          </p:cNvPicPr>
-          <p:nvPr/>
-        </p:nvPicPr>
-        <p:blipFill>
-          <a:blip r:embed="rId2"/>
-          <a:srcRect/>
-          <a:stretch>
-            <a:fillRect/>
-          </a:stretch>
-        </p:blipFill>
-        <p:spPr bwMode="auto">
-          <a:xfrm>
-            <a:off x="827088" y="2420938"/>
-            <a:ext cx="1428750" cy="904875"/>
-          </a:xfrm>
-          <a:prstGeom prst="rect">
-            <a:avLst/>
-          </a:prstGeom>
-          <a:noFill/>
-          <a:ln w="9525">
-            <a:noFill/>
-            <a:miter lim="800000"/>
-            <a:headEnd/>
-            <a:tailEnd/>
-          </a:ln>
-        </p:spPr>
-      </p:pic>
-      <p:pic>
-        <p:nvPicPr>
-          <p:cNvPr id="24596" name="Picture 3"/>
-          <p:cNvPicPr>
-            <a:picLocks noChangeAspect="1" noChangeArrowheads="1"/>
-          </p:cNvPicPr>
-          <p:nvPr/>
-        </p:nvPicPr>
-        <p:blipFill>
-          <a:blip r:embed="rId3"/>
-          <a:srcRect/>
-          <a:stretch>
-            <a:fillRect/>
-          </a:stretch>
-        </p:blipFill>
-        <p:spPr bwMode="auto">
-          <a:xfrm>
-            <a:off x="839788" y="3479800"/>
-            <a:ext cx="1428750" cy="885825"/>
-          </a:xfrm>
-          <a:prstGeom prst="rect">
-            <a:avLst/>
-          </a:prstGeom>
-          <a:noFill/>
-          <a:ln w="9525">
-            <a:noFill/>
-            <a:miter lim="800000"/>
-            <a:headEnd/>
-            <a:tailEnd/>
-          </a:ln>
-        </p:spPr>
-      </p:pic>
-      <p:pic>
-        <p:nvPicPr>
-          <p:cNvPr id="24597" name="Picture 4"/>
-          <p:cNvPicPr>
-            <a:picLocks noChangeAspect="1" noChangeArrowheads="1"/>
-          </p:cNvPicPr>
-          <p:nvPr/>
-        </p:nvPicPr>
-        <p:blipFill>
-          <a:blip r:embed="rId4"/>
-          <a:srcRect/>
-          <a:stretch>
-            <a:fillRect/>
-          </a:stretch>
-        </p:blipFill>
-        <p:spPr bwMode="auto">
-          <a:xfrm>
-            <a:off x="827088" y="4508500"/>
-            <a:ext cx="1457325" cy="876300"/>
-          </a:xfrm>
-          <a:prstGeom prst="rect">
-            <a:avLst/>
-          </a:prstGeom>
-          <a:noFill/>
-          <a:ln w="9525">
-            <a:noFill/>
-            <a:miter lim="800000"/>
-            <a:headEnd/>
-            <a:tailEnd/>
-          </a:ln>
-        </p:spPr>
-      </p:pic>
-      <p:pic>
-        <p:nvPicPr>
-          <p:cNvPr id="24598" name="Picture 5"/>
-          <p:cNvPicPr>
-            <a:picLocks noChangeAspect="1" noChangeArrowheads="1"/>
-          </p:cNvPicPr>
-          <p:nvPr/>
-        </p:nvPicPr>
-        <p:blipFill>
-          <a:blip r:embed="rId5"/>
-          <a:srcRect/>
-          <a:stretch>
-            <a:fillRect/>
-          </a:stretch>
-        </p:blipFill>
-        <p:spPr bwMode="auto">
-          <a:xfrm>
-            <a:off x="755650" y="5567363"/>
-            <a:ext cx="1543050" cy="885825"/>
           </a:xfrm>
           <a:prstGeom prst="rect">
             <a:avLst/>
